--- a/PPTs/Munajat Shabanniya.pptx
+++ b/PPTs/Munajat Shabanniya.pptx
@@ -1085,13 +1085,13 @@
   <p:clrMapOvr>
     <a:masterClrMapping/>
   </p:clrMapOvr>
-  <mc:AlternateContent xmlns:mc="http://schemas.openxmlformats.org/markup-compatibility/2006">
-    <mc:Choice xmlns:p14="http://schemas.microsoft.com/office/powerpoint/2010/main" Requires="p14">
+  <mc:AlternateContent xmlns:mc="http://schemas.openxmlformats.org/markup-compatibility/2006" xmlns:p14="http://schemas.microsoft.com/office/powerpoint/2010/main">
+    <mc:Choice Requires="p14">
       <p:transition p14:dur="300">
         <p:fade/>
       </p:transition>
     </mc:Choice>
-    <mc:Fallback>
+    <mc:Fallback xmlns="">
       <p:transition>
         <p:fade/>
       </p:transition>
@@ -1340,13 +1340,13 @@
   <p:clrMapOvr>
     <a:masterClrMapping/>
   </p:clrMapOvr>
-  <mc:AlternateContent xmlns:mc="http://schemas.openxmlformats.org/markup-compatibility/2006">
-    <mc:Choice xmlns:p14="http://schemas.microsoft.com/office/powerpoint/2010/main" Requires="p14">
+  <mc:AlternateContent xmlns:mc="http://schemas.openxmlformats.org/markup-compatibility/2006" xmlns:p14="http://schemas.microsoft.com/office/powerpoint/2010/main">
+    <mc:Choice Requires="p14">
       <p:transition p14:dur="300">
         <p:fade/>
       </p:transition>
     </mc:Choice>
-    <mc:Fallback>
+    <mc:Fallback xmlns="">
       <p:transition>
         <p:fade/>
       </p:transition>
@@ -1589,13 +1589,13 @@
   <p:clrMapOvr>
     <a:masterClrMapping/>
   </p:clrMapOvr>
-  <mc:AlternateContent xmlns:mc="http://schemas.openxmlformats.org/markup-compatibility/2006">
-    <mc:Choice xmlns:p14="http://schemas.microsoft.com/office/powerpoint/2010/main" Requires="p14">
+  <mc:AlternateContent xmlns:mc="http://schemas.openxmlformats.org/markup-compatibility/2006" xmlns:p14="http://schemas.microsoft.com/office/powerpoint/2010/main">
+    <mc:Choice Requires="p14">
       <p:transition p14:dur="300">
         <p:fade/>
       </p:transition>
     </mc:Choice>
-    <mc:Fallback>
+    <mc:Fallback xmlns="">
       <p:transition>
         <p:fade/>
       </p:transition>
@@ -1764,13 +1764,13 @@
   <p:clrMapOvr>
     <a:masterClrMapping/>
   </p:clrMapOvr>
-  <mc:AlternateContent xmlns:mc="http://schemas.openxmlformats.org/markup-compatibility/2006">
-    <mc:Choice xmlns:p14="http://schemas.microsoft.com/office/powerpoint/2010/main" Requires="p14">
+  <mc:AlternateContent xmlns:mc="http://schemas.openxmlformats.org/markup-compatibility/2006" xmlns:p14="http://schemas.microsoft.com/office/powerpoint/2010/main">
+    <mc:Choice Requires="p14">
       <p:transition p14:dur="300">
         <p:fade/>
       </p:transition>
     </mc:Choice>
-    <mc:Fallback>
+    <mc:Fallback xmlns="">
       <p:transition>
         <p:fade/>
       </p:transition>
@@ -2003,13 +2003,13 @@
   <p:clrMapOvr>
     <a:masterClrMapping/>
   </p:clrMapOvr>
-  <mc:AlternateContent xmlns:mc="http://schemas.openxmlformats.org/markup-compatibility/2006">
-    <mc:Choice xmlns:p14="http://schemas.microsoft.com/office/powerpoint/2010/main" Requires="p14">
+  <mc:AlternateContent xmlns:mc="http://schemas.openxmlformats.org/markup-compatibility/2006" xmlns:p14="http://schemas.microsoft.com/office/powerpoint/2010/main">
+    <mc:Choice Requires="p14">
       <p:transition p14:dur="300">
         <p:fade/>
       </p:transition>
     </mc:Choice>
-    <mc:Fallback>
+    <mc:Fallback xmlns="">
       <p:transition>
         <p:fade/>
       </p:transition>
@@ -2261,13 +2261,13 @@
   <p:clrMapOvr>
     <a:masterClrMapping/>
   </p:clrMapOvr>
-  <mc:AlternateContent xmlns:mc="http://schemas.openxmlformats.org/markup-compatibility/2006">
-    <mc:Choice xmlns:p14="http://schemas.microsoft.com/office/powerpoint/2010/main" Requires="p14">
+  <mc:AlternateContent xmlns:mc="http://schemas.openxmlformats.org/markup-compatibility/2006" xmlns:p14="http://schemas.microsoft.com/office/powerpoint/2010/main">
+    <mc:Choice Requires="p14">
       <p:transition p14:dur="300">
         <p:fade/>
       </p:transition>
     </mc:Choice>
-    <mc:Fallback>
+    <mc:Fallback xmlns="">
       <p:transition>
         <p:fade/>
       </p:transition>
@@ -2601,13 +2601,13 @@
   <p:clrMapOvr>
     <a:masterClrMapping/>
   </p:clrMapOvr>
-  <mc:AlternateContent xmlns:mc="http://schemas.openxmlformats.org/markup-compatibility/2006">
-    <mc:Choice xmlns:p14="http://schemas.microsoft.com/office/powerpoint/2010/main" Requires="p14">
+  <mc:AlternateContent xmlns:mc="http://schemas.openxmlformats.org/markup-compatibility/2006" xmlns:p14="http://schemas.microsoft.com/office/powerpoint/2010/main">
+    <mc:Choice Requires="p14">
       <p:transition p14:dur="300">
         <p:fade/>
       </p:transition>
     </mc:Choice>
-    <mc:Fallback>
+    <mc:Fallback xmlns="">
       <p:transition>
         <p:fade/>
       </p:transition>
@@ -3071,13 +3071,13 @@
   <p:clrMapOvr>
     <a:masterClrMapping/>
   </p:clrMapOvr>
-  <mc:AlternateContent xmlns:mc="http://schemas.openxmlformats.org/markup-compatibility/2006">
-    <mc:Choice xmlns:p14="http://schemas.microsoft.com/office/powerpoint/2010/main" Requires="p14">
+  <mc:AlternateContent xmlns:mc="http://schemas.openxmlformats.org/markup-compatibility/2006" xmlns:p14="http://schemas.microsoft.com/office/powerpoint/2010/main">
+    <mc:Choice Requires="p14">
       <p:transition p14:dur="300">
         <p:fade/>
       </p:transition>
     </mc:Choice>
-    <mc:Fallback>
+    <mc:Fallback xmlns="">
       <p:transition>
         <p:fade/>
       </p:transition>
@@ -3243,13 +3243,13 @@
   <p:clrMapOvr>
     <a:masterClrMapping/>
   </p:clrMapOvr>
-  <mc:AlternateContent xmlns:mc="http://schemas.openxmlformats.org/markup-compatibility/2006">
-    <mc:Choice xmlns:p14="http://schemas.microsoft.com/office/powerpoint/2010/main" Requires="p14">
+  <mc:AlternateContent xmlns:mc="http://schemas.openxmlformats.org/markup-compatibility/2006" xmlns:p14="http://schemas.microsoft.com/office/powerpoint/2010/main">
+    <mc:Choice Requires="p14">
       <p:transition p14:dur="300">
         <p:fade/>
       </p:transition>
     </mc:Choice>
-    <mc:Fallback>
+    <mc:Fallback xmlns="">
       <p:transition>
         <p:fade/>
       </p:transition>
@@ -3389,13 +3389,13 @@
   <p:clrMapOvr>
     <a:masterClrMapping/>
   </p:clrMapOvr>
-  <mc:AlternateContent xmlns:mc="http://schemas.openxmlformats.org/markup-compatibility/2006">
-    <mc:Choice xmlns:p14="http://schemas.microsoft.com/office/powerpoint/2010/main" Requires="p14">
+  <mc:AlternateContent xmlns:mc="http://schemas.openxmlformats.org/markup-compatibility/2006" xmlns:p14="http://schemas.microsoft.com/office/powerpoint/2010/main">
+    <mc:Choice Requires="p14">
       <p:transition p14:dur="300">
         <p:fade/>
       </p:transition>
     </mc:Choice>
-    <mc:Fallback>
+    <mc:Fallback xmlns="">
       <p:transition>
         <p:fade/>
       </p:transition>
@@ -3715,13 +3715,13 @@
   <p:clrMapOvr>
     <a:masterClrMapping/>
   </p:clrMapOvr>
-  <mc:AlternateContent xmlns:mc="http://schemas.openxmlformats.org/markup-compatibility/2006">
-    <mc:Choice xmlns:p14="http://schemas.microsoft.com/office/powerpoint/2010/main" Requires="p14">
+  <mc:AlternateContent xmlns:mc="http://schemas.openxmlformats.org/markup-compatibility/2006" xmlns:p14="http://schemas.microsoft.com/office/powerpoint/2010/main">
+    <mc:Choice Requires="p14">
       <p:transition p14:dur="300">
         <p:fade/>
       </p:transition>
     </mc:Choice>
-    <mc:Fallback>
+    <mc:Fallback xmlns="">
       <p:transition>
         <p:fade/>
       </p:transition>
@@ -4019,13 +4019,13 @@
   <p:clrMapOvr>
     <a:masterClrMapping/>
   </p:clrMapOvr>
-  <mc:AlternateContent xmlns:mc="http://schemas.openxmlformats.org/markup-compatibility/2006">
-    <mc:Choice xmlns:p14="http://schemas.microsoft.com/office/powerpoint/2010/main" Requires="p14">
+  <mc:AlternateContent xmlns:mc="http://schemas.openxmlformats.org/markup-compatibility/2006" xmlns:p14="http://schemas.microsoft.com/office/powerpoint/2010/main">
+    <mc:Choice Requires="p14">
       <p:transition p14:dur="300">
         <p:fade/>
       </p:transition>
     </mc:Choice>
-    <mc:Fallback>
+    <mc:Fallback xmlns="">
       <p:transition>
         <p:fade/>
       </p:transition>
@@ -4508,13 +4508,13 @@
     <p:sldLayoutId id="2147483685" r:id="rId11"/>
     <p:sldLayoutId id="2147483686" r:id="rId12"/>
   </p:sldLayoutIdLst>
-  <mc:AlternateContent xmlns:mc="http://schemas.openxmlformats.org/markup-compatibility/2006">
-    <mc:Choice xmlns:p14="http://schemas.microsoft.com/office/powerpoint/2010/main" Requires="p14">
+  <mc:AlternateContent xmlns:mc="http://schemas.openxmlformats.org/markup-compatibility/2006" xmlns:p14="http://schemas.microsoft.com/office/powerpoint/2010/main">
+    <mc:Choice Requires="p14">
       <p:transition p14:dur="300">
         <p:fade/>
       </p:transition>
     </mc:Choice>
-    <mc:Fallback>
+    <mc:Fallback xmlns="">
       <p:transition>
         <p:fade/>
       </p:transition>
@@ -5620,95 +5620,6 @@
           </a:p>
         </p:txBody>
       </p:sp>
-      <p:sp>
-        <p:nvSpPr>
-          <p:cNvPr id="2" name="Slide Number Placeholder 1">
-            <a:extLst>
-              <a:ext uri="{FF2B5EF4-FFF2-40B4-BE49-F238E27FC236}">
-                <a16:creationId xmlns:a16="http://schemas.microsoft.com/office/drawing/2014/main" id="{837C4EDA-A509-BB32-2953-59C94A37AC12}"/>
-              </a:ext>
-            </a:extLst>
-          </p:cNvPr>
-          <p:cNvSpPr>
-            <a:spLocks noGrp="1"/>
-          </p:cNvSpPr>
-          <p:nvPr>
-            <p:ph type="sldNum" sz="quarter" idx="12"/>
-          </p:nvPr>
-        </p:nvSpPr>
-        <p:spPr/>
-        <p:txBody>
-          <a:bodyPr/>
-          <a:lstStyle/>
-          <a:p>
-            <a:pPr marL="0" marR="0" lvl="0" indent="0" algn="r" defTabSz="914400" rtl="0" eaLnBrk="1" fontAlgn="auto" latinLnBrk="0" hangingPunct="1">
-              <a:lnSpc>
-                <a:spcPct val="100000"/>
-              </a:lnSpc>
-              <a:spcBef>
-                <a:spcPts val="0"/>
-              </a:spcBef>
-              <a:spcAft>
-                <a:spcPts val="0"/>
-              </a:spcAft>
-              <a:buClrTx/>
-              <a:buSzTx/>
-              <a:buFontTx/>
-              <a:buNone/>
-              <a:tabLst/>
-              <a:defRPr/>
-            </a:pPr>
-            <a:fld id="{483B47EA-5D2D-44B5-B00B-9EB09598820D}" type="slidenum">
-              <a:rPr kumimoji="0" lang="ar-SA" altLang="en-US" sz="1400" b="0" i="0" u="none" strike="noStrike" kern="1200" cap="none" spc="0" normalizeH="0" baseline="0" noProof="0" smtClean="0">
-                <a:ln>
-                  <a:noFill/>
-                </a:ln>
-                <a:solidFill>
-                  <a:srgbClr val="000066"/>
-                </a:solidFill>
-                <a:effectLst/>
-                <a:uLnTx/>
-                <a:uFillTx/>
-                <a:latin typeface="Calibri Light" panose="020F0302020204030204" pitchFamily="34" charset="0"/>
-                <a:ea typeface="+mn-ea"/>
-                <a:cs typeface="Calibri Light" panose="020F0302020204030204" pitchFamily="34" charset="0"/>
-              </a:rPr>
-              <a:pPr marL="0" marR="0" lvl="0" indent="0" algn="r" defTabSz="914400" rtl="0" eaLnBrk="1" fontAlgn="auto" latinLnBrk="0" hangingPunct="1">
-                <a:lnSpc>
-                  <a:spcPct val="100000"/>
-                </a:lnSpc>
-                <a:spcBef>
-                  <a:spcPts val="0"/>
-                </a:spcBef>
-                <a:spcAft>
-                  <a:spcPts val="0"/>
-                </a:spcAft>
-                <a:buClrTx/>
-                <a:buSzTx/>
-                <a:buFontTx/>
-                <a:buNone/>
-                <a:tabLst/>
-                <a:defRPr/>
-              </a:pPr>
-              <a:t>1</a:t>
-            </a:fld>
-            <a:endParaRPr kumimoji="0" lang="en-US" altLang="en-US" sz="1400" b="0" i="0" u="none" strike="noStrike" kern="1200" cap="none" spc="0" normalizeH="0" baseline="0" noProof="0" dirty="0">
-              <a:ln>
-                <a:noFill/>
-              </a:ln>
-              <a:solidFill>
-                <a:srgbClr val="000066"/>
-              </a:solidFill>
-              <a:effectLst/>
-              <a:uLnTx/>
-              <a:uFillTx/>
-              <a:latin typeface="Calibri Light" panose="020F0302020204030204" pitchFamily="34" charset="0"/>
-              <a:ea typeface="+mn-ea"/>
-              <a:cs typeface="Calibri Light" panose="020F0302020204030204" pitchFamily="34" charset="0"/>
-            </a:endParaRPr>
-          </a:p>
-        </p:txBody>
-      </p:sp>
     </p:spTree>
     <p:extLst>
       <p:ext uri="{BB962C8B-B14F-4D97-AF65-F5344CB8AC3E}">
@@ -5719,13 +5630,13 @@
   <p:clrMapOvr>
     <a:masterClrMapping/>
   </p:clrMapOvr>
-  <mc:AlternateContent xmlns:mc="http://schemas.openxmlformats.org/markup-compatibility/2006">
-    <mc:Choice xmlns:p14="http://schemas.microsoft.com/office/powerpoint/2010/main" Requires="p14">
+  <mc:AlternateContent xmlns:mc="http://schemas.openxmlformats.org/markup-compatibility/2006" xmlns:p14="http://schemas.microsoft.com/office/powerpoint/2010/main">
+    <mc:Choice Requires="p14">
       <p:transition p14:dur="300">
         <p:fade/>
       </p:transition>
     </mc:Choice>
-    <mc:Fallback>
+    <mc:Fallback xmlns="">
       <p:transition>
         <p:fade/>
       </p:transition>
@@ -5866,13 +5777,13 @@
   <p:clrMapOvr>
     <a:masterClrMapping/>
   </p:clrMapOvr>
-  <mc:AlternateContent xmlns:mc="http://schemas.openxmlformats.org/markup-compatibility/2006">
-    <mc:Choice xmlns:p14="http://schemas.microsoft.com/office/powerpoint/2010/main" Requires="p14">
+  <mc:AlternateContent xmlns:mc="http://schemas.openxmlformats.org/markup-compatibility/2006" xmlns:p14="http://schemas.microsoft.com/office/powerpoint/2010/main">
+    <mc:Choice Requires="p14">
       <p:transition p14:dur="300">
         <p:fade/>
       </p:transition>
     </mc:Choice>
-    <mc:Fallback>
+    <mc:Fallback xmlns="">
       <p:transition>
         <p:fade/>
       </p:transition>
@@ -6009,13 +5920,13 @@
   <p:clrMapOvr>
     <a:masterClrMapping/>
   </p:clrMapOvr>
-  <mc:AlternateContent xmlns:mc="http://schemas.openxmlformats.org/markup-compatibility/2006">
-    <mc:Choice xmlns:p14="http://schemas.microsoft.com/office/powerpoint/2010/main" Requires="p14">
+  <mc:AlternateContent xmlns:mc="http://schemas.openxmlformats.org/markup-compatibility/2006" xmlns:p14="http://schemas.microsoft.com/office/powerpoint/2010/main">
+    <mc:Choice Requires="p14">
       <p:transition p14:dur="300">
         <p:fade/>
       </p:transition>
     </mc:Choice>
-    <mc:Fallback>
+    <mc:Fallback xmlns="">
       <p:transition>
         <p:fade/>
       </p:transition>
@@ -6155,13 +6066,13 @@
   <p:clrMapOvr>
     <a:masterClrMapping/>
   </p:clrMapOvr>
-  <mc:AlternateContent xmlns:mc="http://schemas.openxmlformats.org/markup-compatibility/2006">
-    <mc:Choice xmlns:p14="http://schemas.microsoft.com/office/powerpoint/2010/main" Requires="p14">
+  <mc:AlternateContent xmlns:mc="http://schemas.openxmlformats.org/markup-compatibility/2006" xmlns:p14="http://schemas.microsoft.com/office/powerpoint/2010/main">
+    <mc:Choice Requires="p14">
       <p:transition p14:dur="300">
         <p:fade/>
       </p:transition>
     </mc:Choice>
-    <mc:Fallback>
+    <mc:Fallback xmlns="">
       <p:transition>
         <p:fade/>
       </p:transition>
@@ -6298,13 +6209,13 @@
   <p:clrMapOvr>
     <a:masterClrMapping/>
   </p:clrMapOvr>
-  <mc:AlternateContent xmlns:mc="http://schemas.openxmlformats.org/markup-compatibility/2006">
-    <mc:Choice xmlns:p14="http://schemas.microsoft.com/office/powerpoint/2010/main" Requires="p14">
+  <mc:AlternateContent xmlns:mc="http://schemas.openxmlformats.org/markup-compatibility/2006" xmlns:p14="http://schemas.microsoft.com/office/powerpoint/2010/main">
+    <mc:Choice Requires="p14">
       <p:transition p14:dur="300">
         <p:fade/>
       </p:transition>
     </mc:Choice>
-    <mc:Fallback>
+    <mc:Fallback xmlns="">
       <p:transition>
         <p:fade/>
       </p:transition>
@@ -6444,13 +6355,13 @@
   <p:clrMapOvr>
     <a:masterClrMapping/>
   </p:clrMapOvr>
-  <mc:AlternateContent xmlns:mc="http://schemas.openxmlformats.org/markup-compatibility/2006">
-    <mc:Choice xmlns:p14="http://schemas.microsoft.com/office/powerpoint/2010/main" Requires="p14">
+  <mc:AlternateContent xmlns:mc="http://schemas.openxmlformats.org/markup-compatibility/2006" xmlns:p14="http://schemas.microsoft.com/office/powerpoint/2010/main">
+    <mc:Choice Requires="p14">
       <p:transition p14:dur="300">
         <p:fade/>
       </p:transition>
     </mc:Choice>
-    <mc:Fallback>
+    <mc:Fallback xmlns="">
       <p:transition>
         <p:fade/>
       </p:transition>
@@ -6590,13 +6501,13 @@
   <p:clrMapOvr>
     <a:masterClrMapping/>
   </p:clrMapOvr>
-  <mc:AlternateContent xmlns:mc="http://schemas.openxmlformats.org/markup-compatibility/2006">
-    <mc:Choice xmlns:p14="http://schemas.microsoft.com/office/powerpoint/2010/main" Requires="p14">
+  <mc:AlternateContent xmlns:mc="http://schemas.openxmlformats.org/markup-compatibility/2006" xmlns:p14="http://schemas.microsoft.com/office/powerpoint/2010/main">
+    <mc:Choice Requires="p14">
       <p:transition p14:dur="300">
         <p:fade/>
       </p:transition>
     </mc:Choice>
-    <mc:Fallback>
+    <mc:Fallback xmlns="">
       <p:transition>
         <p:fade/>
       </p:transition>
@@ -6736,13 +6647,13 @@
   <p:clrMapOvr>
     <a:masterClrMapping/>
   </p:clrMapOvr>
-  <mc:AlternateContent xmlns:mc="http://schemas.openxmlformats.org/markup-compatibility/2006">
-    <mc:Choice xmlns:p14="http://schemas.microsoft.com/office/powerpoint/2010/main" Requires="p14">
+  <mc:AlternateContent xmlns:mc="http://schemas.openxmlformats.org/markup-compatibility/2006" xmlns:p14="http://schemas.microsoft.com/office/powerpoint/2010/main">
+    <mc:Choice Requires="p14">
       <p:transition p14:dur="300">
         <p:fade/>
       </p:transition>
     </mc:Choice>
-    <mc:Fallback>
+    <mc:Fallback xmlns="">
       <p:transition>
         <p:fade/>
       </p:transition>
@@ -6879,13 +6790,13 @@
   <p:clrMapOvr>
     <a:masterClrMapping/>
   </p:clrMapOvr>
-  <mc:AlternateContent xmlns:mc="http://schemas.openxmlformats.org/markup-compatibility/2006">
-    <mc:Choice xmlns:p14="http://schemas.microsoft.com/office/powerpoint/2010/main" Requires="p14">
+  <mc:AlternateContent xmlns:mc="http://schemas.openxmlformats.org/markup-compatibility/2006" xmlns:p14="http://schemas.microsoft.com/office/powerpoint/2010/main">
+    <mc:Choice Requires="p14">
       <p:transition p14:dur="300">
         <p:fade/>
       </p:transition>
     </mc:Choice>
-    <mc:Fallback>
+    <mc:Fallback xmlns="">
       <p:transition>
         <p:fade/>
       </p:transition>
@@ -7022,13 +6933,13 @@
   <p:clrMapOvr>
     <a:masterClrMapping/>
   </p:clrMapOvr>
-  <mc:AlternateContent xmlns:mc="http://schemas.openxmlformats.org/markup-compatibility/2006">
-    <mc:Choice xmlns:p14="http://schemas.microsoft.com/office/powerpoint/2010/main" Requires="p14">
+  <mc:AlternateContent xmlns:mc="http://schemas.openxmlformats.org/markup-compatibility/2006" xmlns:p14="http://schemas.microsoft.com/office/powerpoint/2010/main">
+    <mc:Choice Requires="p14">
       <p:transition p14:dur="300">
         <p:fade/>
       </p:transition>
     </mc:Choice>
-    <mc:Fallback>
+    <mc:Fallback xmlns="">
       <p:transition>
         <p:fade/>
       </p:transition>
@@ -7165,13 +7076,13 @@
   <p:clrMapOvr>
     <a:masterClrMapping/>
   </p:clrMapOvr>
-  <mc:AlternateContent xmlns:mc="http://schemas.openxmlformats.org/markup-compatibility/2006">
-    <mc:Choice xmlns:p14="http://schemas.microsoft.com/office/powerpoint/2010/main" Requires="p14">
+  <mc:AlternateContent xmlns:mc="http://schemas.openxmlformats.org/markup-compatibility/2006" xmlns:p14="http://schemas.microsoft.com/office/powerpoint/2010/main">
+    <mc:Choice Requires="p14">
       <p:transition p14:dur="300">
         <p:fade/>
       </p:transition>
     </mc:Choice>
-    <mc:Fallback>
+    <mc:Fallback xmlns="">
       <p:transition>
         <p:fade/>
       </p:transition>
@@ -7311,13 +7222,13 @@
   <p:clrMapOvr>
     <a:masterClrMapping/>
   </p:clrMapOvr>
-  <mc:AlternateContent xmlns:mc="http://schemas.openxmlformats.org/markup-compatibility/2006">
-    <mc:Choice xmlns:p14="http://schemas.microsoft.com/office/powerpoint/2010/main" Requires="p14">
+  <mc:AlternateContent xmlns:mc="http://schemas.openxmlformats.org/markup-compatibility/2006" xmlns:p14="http://schemas.microsoft.com/office/powerpoint/2010/main">
+    <mc:Choice Requires="p14">
       <p:transition p14:dur="300">
         <p:fade/>
       </p:transition>
     </mc:Choice>
-    <mc:Fallback>
+    <mc:Fallback xmlns="">
       <p:transition>
         <p:fade/>
       </p:transition>
@@ -7458,13 +7369,13 @@
   <p:clrMapOvr>
     <a:masterClrMapping/>
   </p:clrMapOvr>
-  <mc:AlternateContent xmlns:mc="http://schemas.openxmlformats.org/markup-compatibility/2006">
-    <mc:Choice xmlns:p14="http://schemas.microsoft.com/office/powerpoint/2010/main" Requires="p14">
+  <mc:AlternateContent xmlns:mc="http://schemas.openxmlformats.org/markup-compatibility/2006" xmlns:p14="http://schemas.microsoft.com/office/powerpoint/2010/main">
+    <mc:Choice Requires="p14">
       <p:transition p14:dur="300">
         <p:fade/>
       </p:transition>
     </mc:Choice>
-    <mc:Fallback>
+    <mc:Fallback xmlns="">
       <p:transition>
         <p:fade/>
       </p:transition>
@@ -7604,13 +7515,13 @@
   <p:clrMapOvr>
     <a:masterClrMapping/>
   </p:clrMapOvr>
-  <mc:AlternateContent xmlns:mc="http://schemas.openxmlformats.org/markup-compatibility/2006">
-    <mc:Choice xmlns:p14="http://schemas.microsoft.com/office/powerpoint/2010/main" Requires="p14">
+  <mc:AlternateContent xmlns:mc="http://schemas.openxmlformats.org/markup-compatibility/2006" xmlns:p14="http://schemas.microsoft.com/office/powerpoint/2010/main">
+    <mc:Choice Requires="p14">
       <p:transition p14:dur="300">
         <p:fade/>
       </p:transition>
     </mc:Choice>
-    <mc:Fallback>
+    <mc:Fallback xmlns="">
       <p:transition>
         <p:fade/>
       </p:transition>
@@ -7747,13 +7658,13 @@
   <p:clrMapOvr>
     <a:masterClrMapping/>
   </p:clrMapOvr>
-  <mc:AlternateContent xmlns:mc="http://schemas.openxmlformats.org/markup-compatibility/2006">
-    <mc:Choice xmlns:p14="http://schemas.microsoft.com/office/powerpoint/2010/main" Requires="p14">
+  <mc:AlternateContent xmlns:mc="http://schemas.openxmlformats.org/markup-compatibility/2006" xmlns:p14="http://schemas.microsoft.com/office/powerpoint/2010/main">
+    <mc:Choice Requires="p14">
       <p:transition p14:dur="300">
         <p:fade/>
       </p:transition>
     </mc:Choice>
-    <mc:Fallback>
+    <mc:Fallback xmlns="">
       <p:transition>
         <p:fade/>
       </p:transition>
@@ -7890,13 +7801,13 @@
   <p:clrMapOvr>
     <a:masterClrMapping/>
   </p:clrMapOvr>
-  <mc:AlternateContent xmlns:mc="http://schemas.openxmlformats.org/markup-compatibility/2006">
-    <mc:Choice xmlns:p14="http://schemas.microsoft.com/office/powerpoint/2010/main" Requires="p14">
+  <mc:AlternateContent xmlns:mc="http://schemas.openxmlformats.org/markup-compatibility/2006" xmlns:p14="http://schemas.microsoft.com/office/powerpoint/2010/main">
+    <mc:Choice Requires="p14">
       <p:transition p14:dur="300">
         <p:fade/>
       </p:transition>
     </mc:Choice>
-    <mc:Fallback>
+    <mc:Fallback xmlns="">
       <p:transition>
         <p:fade/>
       </p:transition>
@@ -8033,13 +7944,13 @@
   <p:clrMapOvr>
     <a:masterClrMapping/>
   </p:clrMapOvr>
-  <mc:AlternateContent xmlns:mc="http://schemas.openxmlformats.org/markup-compatibility/2006">
-    <mc:Choice xmlns:p14="http://schemas.microsoft.com/office/powerpoint/2010/main" Requires="p14">
+  <mc:AlternateContent xmlns:mc="http://schemas.openxmlformats.org/markup-compatibility/2006" xmlns:p14="http://schemas.microsoft.com/office/powerpoint/2010/main">
+    <mc:Choice Requires="p14">
       <p:transition p14:dur="300">
         <p:fade/>
       </p:transition>
     </mc:Choice>
-    <mc:Fallback>
+    <mc:Fallback xmlns="">
       <p:transition>
         <p:fade/>
       </p:transition>
@@ -8176,13 +8087,13 @@
   <p:clrMapOvr>
     <a:masterClrMapping/>
   </p:clrMapOvr>
-  <mc:AlternateContent xmlns:mc="http://schemas.openxmlformats.org/markup-compatibility/2006">
-    <mc:Choice xmlns:p14="http://schemas.microsoft.com/office/powerpoint/2010/main" Requires="p14">
+  <mc:AlternateContent xmlns:mc="http://schemas.openxmlformats.org/markup-compatibility/2006" xmlns:p14="http://schemas.microsoft.com/office/powerpoint/2010/main">
+    <mc:Choice Requires="p14">
       <p:transition p14:dur="300">
         <p:fade/>
       </p:transition>
     </mc:Choice>
-    <mc:Fallback>
+    <mc:Fallback xmlns="">
       <p:transition>
         <p:fade/>
       </p:transition>
@@ -8319,13 +8230,13 @@
   <p:clrMapOvr>
     <a:masterClrMapping/>
   </p:clrMapOvr>
-  <mc:AlternateContent xmlns:mc="http://schemas.openxmlformats.org/markup-compatibility/2006">
-    <mc:Choice xmlns:p14="http://schemas.microsoft.com/office/powerpoint/2010/main" Requires="p14">
+  <mc:AlternateContent xmlns:mc="http://schemas.openxmlformats.org/markup-compatibility/2006" xmlns:p14="http://schemas.microsoft.com/office/powerpoint/2010/main">
+    <mc:Choice Requires="p14">
       <p:transition p14:dur="300">
         <p:fade/>
       </p:transition>
     </mc:Choice>
-    <mc:Fallback>
+    <mc:Fallback xmlns="">
       <p:transition>
         <p:fade/>
       </p:transition>
@@ -8465,13 +8376,13 @@
   <p:clrMapOvr>
     <a:masterClrMapping/>
   </p:clrMapOvr>
-  <mc:AlternateContent xmlns:mc="http://schemas.openxmlformats.org/markup-compatibility/2006">
-    <mc:Choice xmlns:p14="http://schemas.microsoft.com/office/powerpoint/2010/main" Requires="p14">
+  <mc:AlternateContent xmlns:mc="http://schemas.openxmlformats.org/markup-compatibility/2006" xmlns:p14="http://schemas.microsoft.com/office/powerpoint/2010/main">
+    <mc:Choice Requires="p14">
       <p:transition p14:dur="300">
         <p:fade/>
       </p:transition>
     </mc:Choice>
-    <mc:Fallback>
+    <mc:Fallback xmlns="">
       <p:transition>
         <p:fade/>
       </p:transition>
@@ -8608,13 +8519,13 @@
   <p:clrMapOvr>
     <a:masterClrMapping/>
   </p:clrMapOvr>
-  <mc:AlternateContent xmlns:mc="http://schemas.openxmlformats.org/markup-compatibility/2006">
-    <mc:Choice xmlns:p14="http://schemas.microsoft.com/office/powerpoint/2010/main" Requires="p14">
+  <mc:AlternateContent xmlns:mc="http://schemas.openxmlformats.org/markup-compatibility/2006" xmlns:p14="http://schemas.microsoft.com/office/powerpoint/2010/main">
+    <mc:Choice Requires="p14">
       <p:transition p14:dur="300">
         <p:fade/>
       </p:transition>
     </mc:Choice>
-    <mc:Fallback>
+    <mc:Fallback xmlns="">
       <p:transition>
         <p:fade/>
       </p:transition>
@@ -8754,13 +8665,13 @@
   <p:clrMapOvr>
     <a:masterClrMapping/>
   </p:clrMapOvr>
-  <mc:AlternateContent xmlns:mc="http://schemas.openxmlformats.org/markup-compatibility/2006">
-    <mc:Choice xmlns:p14="http://schemas.microsoft.com/office/powerpoint/2010/main" Requires="p14">
+  <mc:AlternateContent xmlns:mc="http://schemas.openxmlformats.org/markup-compatibility/2006" xmlns:p14="http://schemas.microsoft.com/office/powerpoint/2010/main">
+    <mc:Choice Requires="p14">
       <p:transition p14:dur="300">
         <p:fade/>
       </p:transition>
     </mc:Choice>
-    <mc:Fallback>
+    <mc:Fallback xmlns="">
       <p:transition>
         <p:fade/>
       </p:transition>
@@ -8897,13 +8808,13 @@
   <p:clrMapOvr>
     <a:masterClrMapping/>
   </p:clrMapOvr>
-  <mc:AlternateContent xmlns:mc="http://schemas.openxmlformats.org/markup-compatibility/2006">
-    <mc:Choice xmlns:p14="http://schemas.microsoft.com/office/powerpoint/2010/main" Requires="p14">
+  <mc:AlternateContent xmlns:mc="http://schemas.openxmlformats.org/markup-compatibility/2006" xmlns:p14="http://schemas.microsoft.com/office/powerpoint/2010/main">
+    <mc:Choice Requires="p14">
       <p:transition p14:dur="300">
         <p:fade/>
       </p:transition>
     </mc:Choice>
-    <mc:Fallback>
+    <mc:Fallback xmlns="">
       <p:transition>
         <p:fade/>
       </p:transition>
@@ -9041,13 +8952,13 @@
   <p:clrMapOvr>
     <a:masterClrMapping/>
   </p:clrMapOvr>
-  <mc:AlternateContent xmlns:mc="http://schemas.openxmlformats.org/markup-compatibility/2006">
-    <mc:Choice xmlns:p14="http://schemas.microsoft.com/office/powerpoint/2010/main" Requires="p14">
+  <mc:AlternateContent xmlns:mc="http://schemas.openxmlformats.org/markup-compatibility/2006" xmlns:p14="http://schemas.microsoft.com/office/powerpoint/2010/main">
+    <mc:Choice Requires="p14">
       <p:transition p14:dur="300">
         <p:fade/>
       </p:transition>
     </mc:Choice>
-    <mc:Fallback>
+    <mc:Fallback xmlns="">
       <p:transition>
         <p:fade/>
       </p:transition>
@@ -9188,13 +9099,13 @@
   <p:clrMapOvr>
     <a:masterClrMapping/>
   </p:clrMapOvr>
-  <mc:AlternateContent xmlns:mc="http://schemas.openxmlformats.org/markup-compatibility/2006">
-    <mc:Choice xmlns:p14="http://schemas.microsoft.com/office/powerpoint/2010/main" Requires="p14">
+  <mc:AlternateContent xmlns:mc="http://schemas.openxmlformats.org/markup-compatibility/2006" xmlns:p14="http://schemas.microsoft.com/office/powerpoint/2010/main">
+    <mc:Choice Requires="p14">
       <p:transition p14:dur="300">
         <p:fade/>
       </p:transition>
     </mc:Choice>
-    <mc:Fallback>
+    <mc:Fallback xmlns="">
       <p:transition>
         <p:fade/>
       </p:transition>
@@ -9334,13 +9245,13 @@
   <p:clrMapOvr>
     <a:masterClrMapping/>
   </p:clrMapOvr>
-  <mc:AlternateContent xmlns:mc="http://schemas.openxmlformats.org/markup-compatibility/2006">
-    <mc:Choice xmlns:p14="http://schemas.microsoft.com/office/powerpoint/2010/main" Requires="p14">
+  <mc:AlternateContent xmlns:mc="http://schemas.openxmlformats.org/markup-compatibility/2006" xmlns:p14="http://schemas.microsoft.com/office/powerpoint/2010/main">
+    <mc:Choice Requires="p14">
       <p:transition p14:dur="300">
         <p:fade/>
       </p:transition>
     </mc:Choice>
-    <mc:Fallback>
+    <mc:Fallback xmlns="">
       <p:transition>
         <p:fade/>
       </p:transition>
@@ -9480,13 +9391,13 @@
   <p:clrMapOvr>
     <a:masterClrMapping/>
   </p:clrMapOvr>
-  <mc:AlternateContent xmlns:mc="http://schemas.openxmlformats.org/markup-compatibility/2006">
-    <mc:Choice xmlns:p14="http://schemas.microsoft.com/office/powerpoint/2010/main" Requires="p14">
+  <mc:AlternateContent xmlns:mc="http://schemas.openxmlformats.org/markup-compatibility/2006" xmlns:p14="http://schemas.microsoft.com/office/powerpoint/2010/main">
+    <mc:Choice Requires="p14">
       <p:transition p14:dur="300">
         <p:fade/>
       </p:transition>
     </mc:Choice>
-    <mc:Fallback>
+    <mc:Fallback xmlns="">
       <p:transition>
         <p:fade/>
       </p:transition>
@@ -9626,13 +9537,13 @@
   <p:clrMapOvr>
     <a:masterClrMapping/>
   </p:clrMapOvr>
-  <mc:AlternateContent xmlns:mc="http://schemas.openxmlformats.org/markup-compatibility/2006">
-    <mc:Choice xmlns:p14="http://schemas.microsoft.com/office/powerpoint/2010/main" Requires="p14">
+  <mc:AlternateContent xmlns:mc="http://schemas.openxmlformats.org/markup-compatibility/2006" xmlns:p14="http://schemas.microsoft.com/office/powerpoint/2010/main">
+    <mc:Choice Requires="p14">
       <p:transition p14:dur="300">
         <p:fade/>
       </p:transition>
     </mc:Choice>
-    <mc:Fallback>
+    <mc:Fallback xmlns="">
       <p:transition>
         <p:fade/>
       </p:transition>
@@ -9769,13 +9680,13 @@
   <p:clrMapOvr>
     <a:masterClrMapping/>
   </p:clrMapOvr>
-  <mc:AlternateContent xmlns:mc="http://schemas.openxmlformats.org/markup-compatibility/2006">
-    <mc:Choice xmlns:p14="http://schemas.microsoft.com/office/powerpoint/2010/main" Requires="p14">
+  <mc:AlternateContent xmlns:mc="http://schemas.openxmlformats.org/markup-compatibility/2006" xmlns:p14="http://schemas.microsoft.com/office/powerpoint/2010/main">
+    <mc:Choice Requires="p14">
       <p:transition p14:dur="300">
         <p:fade/>
       </p:transition>
     </mc:Choice>
-    <mc:Fallback>
+    <mc:Fallback xmlns="">
       <p:transition>
         <p:fade/>
       </p:transition>
@@ -9915,13 +9826,13 @@
   <p:clrMapOvr>
     <a:masterClrMapping/>
   </p:clrMapOvr>
-  <mc:AlternateContent xmlns:mc="http://schemas.openxmlformats.org/markup-compatibility/2006">
-    <mc:Choice xmlns:p14="http://schemas.microsoft.com/office/powerpoint/2010/main" Requires="p14">
+  <mc:AlternateContent xmlns:mc="http://schemas.openxmlformats.org/markup-compatibility/2006" xmlns:p14="http://schemas.microsoft.com/office/powerpoint/2010/main">
+    <mc:Choice Requires="p14">
       <p:transition p14:dur="300">
         <p:fade/>
       </p:transition>
     </mc:Choice>
-    <mc:Fallback>
+    <mc:Fallback xmlns="">
       <p:transition>
         <p:fade/>
       </p:transition>
@@ -10061,13 +9972,13 @@
   <p:clrMapOvr>
     <a:masterClrMapping/>
   </p:clrMapOvr>
-  <mc:AlternateContent xmlns:mc="http://schemas.openxmlformats.org/markup-compatibility/2006">
-    <mc:Choice xmlns:p14="http://schemas.microsoft.com/office/powerpoint/2010/main" Requires="p14">
+  <mc:AlternateContent xmlns:mc="http://schemas.openxmlformats.org/markup-compatibility/2006" xmlns:p14="http://schemas.microsoft.com/office/powerpoint/2010/main">
+    <mc:Choice Requires="p14">
       <p:transition p14:dur="300">
         <p:fade/>
       </p:transition>
     </mc:Choice>
-    <mc:Fallback>
+    <mc:Fallback xmlns="">
       <p:transition>
         <p:fade/>
       </p:transition>
@@ -10207,13 +10118,13 @@
   <p:clrMapOvr>
     <a:masterClrMapping/>
   </p:clrMapOvr>
-  <mc:AlternateContent xmlns:mc="http://schemas.openxmlformats.org/markup-compatibility/2006">
-    <mc:Choice xmlns:p14="http://schemas.microsoft.com/office/powerpoint/2010/main" Requires="p14">
+  <mc:AlternateContent xmlns:mc="http://schemas.openxmlformats.org/markup-compatibility/2006" xmlns:p14="http://schemas.microsoft.com/office/powerpoint/2010/main">
+    <mc:Choice Requires="p14">
       <p:transition p14:dur="300">
         <p:fade/>
       </p:transition>
     </mc:Choice>
-    <mc:Fallback>
+    <mc:Fallback xmlns="">
       <p:transition>
         <p:fade/>
       </p:transition>
@@ -10350,13 +10261,13 @@
   <p:clrMapOvr>
     <a:masterClrMapping/>
   </p:clrMapOvr>
-  <mc:AlternateContent xmlns:mc="http://schemas.openxmlformats.org/markup-compatibility/2006">
-    <mc:Choice xmlns:p14="http://schemas.microsoft.com/office/powerpoint/2010/main" Requires="p14">
+  <mc:AlternateContent xmlns:mc="http://schemas.openxmlformats.org/markup-compatibility/2006" xmlns:p14="http://schemas.microsoft.com/office/powerpoint/2010/main">
+    <mc:Choice Requires="p14">
       <p:transition p14:dur="300">
         <p:fade/>
       </p:transition>
     </mc:Choice>
-    <mc:Fallback>
+    <mc:Fallback xmlns="">
       <p:transition>
         <p:fade/>
       </p:transition>
@@ -10496,13 +10407,13 @@
   <p:clrMapOvr>
     <a:masterClrMapping/>
   </p:clrMapOvr>
-  <mc:AlternateContent xmlns:mc="http://schemas.openxmlformats.org/markup-compatibility/2006">
-    <mc:Choice xmlns:p14="http://schemas.microsoft.com/office/powerpoint/2010/main" Requires="p14">
+  <mc:AlternateContent xmlns:mc="http://schemas.openxmlformats.org/markup-compatibility/2006" xmlns:p14="http://schemas.microsoft.com/office/powerpoint/2010/main">
+    <mc:Choice Requires="p14">
       <p:transition p14:dur="300">
         <p:fade/>
       </p:transition>
     </mc:Choice>
-    <mc:Fallback>
+    <mc:Fallback xmlns="">
       <p:transition>
         <p:fade/>
       </p:transition>
@@ -10640,13 +10551,13 @@
   <p:clrMapOvr>
     <a:masterClrMapping/>
   </p:clrMapOvr>
-  <mc:AlternateContent xmlns:mc="http://schemas.openxmlformats.org/markup-compatibility/2006">
-    <mc:Choice xmlns:p14="http://schemas.microsoft.com/office/powerpoint/2010/main" Requires="p14">
+  <mc:AlternateContent xmlns:mc="http://schemas.openxmlformats.org/markup-compatibility/2006" xmlns:p14="http://schemas.microsoft.com/office/powerpoint/2010/main">
+    <mc:Choice Requires="p14">
       <p:transition p14:dur="300">
         <p:fade/>
       </p:transition>
     </mc:Choice>
-    <mc:Fallback>
+    <mc:Fallback xmlns="">
       <p:transition>
         <p:fade/>
       </p:transition>
@@ -10786,13 +10697,13 @@
   <p:clrMapOvr>
     <a:masterClrMapping/>
   </p:clrMapOvr>
-  <mc:AlternateContent xmlns:mc="http://schemas.openxmlformats.org/markup-compatibility/2006">
-    <mc:Choice xmlns:p14="http://schemas.microsoft.com/office/powerpoint/2010/main" Requires="p14">
+  <mc:AlternateContent xmlns:mc="http://schemas.openxmlformats.org/markup-compatibility/2006" xmlns:p14="http://schemas.microsoft.com/office/powerpoint/2010/main">
+    <mc:Choice Requires="p14">
       <p:transition p14:dur="300">
         <p:fade/>
       </p:transition>
     </mc:Choice>
-    <mc:Fallback>
+    <mc:Fallback xmlns="">
       <p:transition>
         <p:fade/>
       </p:transition>
@@ -10929,13 +10840,13 @@
   <p:clrMapOvr>
     <a:masterClrMapping/>
   </p:clrMapOvr>
-  <mc:AlternateContent xmlns:mc="http://schemas.openxmlformats.org/markup-compatibility/2006">
-    <mc:Choice xmlns:p14="http://schemas.microsoft.com/office/powerpoint/2010/main" Requires="p14">
+  <mc:AlternateContent xmlns:mc="http://schemas.openxmlformats.org/markup-compatibility/2006" xmlns:p14="http://schemas.microsoft.com/office/powerpoint/2010/main">
+    <mc:Choice Requires="p14">
       <p:transition p14:dur="300">
         <p:fade/>
       </p:transition>
     </mc:Choice>
-    <mc:Fallback>
+    <mc:Fallback xmlns="">
       <p:transition>
         <p:fade/>
       </p:transition>
@@ -11075,13 +10986,13 @@
   <p:clrMapOvr>
     <a:masterClrMapping/>
   </p:clrMapOvr>
-  <mc:AlternateContent xmlns:mc="http://schemas.openxmlformats.org/markup-compatibility/2006">
-    <mc:Choice xmlns:p14="http://schemas.microsoft.com/office/powerpoint/2010/main" Requires="p14">
+  <mc:AlternateContent xmlns:mc="http://schemas.openxmlformats.org/markup-compatibility/2006" xmlns:p14="http://schemas.microsoft.com/office/powerpoint/2010/main">
+    <mc:Choice Requires="p14">
       <p:transition p14:dur="300">
         <p:fade/>
       </p:transition>
     </mc:Choice>
-    <mc:Fallback>
+    <mc:Fallback xmlns="">
       <p:transition>
         <p:fade/>
       </p:transition>
@@ -11221,13 +11132,13 @@
   <p:clrMapOvr>
     <a:masterClrMapping/>
   </p:clrMapOvr>
-  <mc:AlternateContent xmlns:mc="http://schemas.openxmlformats.org/markup-compatibility/2006">
-    <mc:Choice xmlns:p14="http://schemas.microsoft.com/office/powerpoint/2010/main" Requires="p14">
+  <mc:AlternateContent xmlns:mc="http://schemas.openxmlformats.org/markup-compatibility/2006" xmlns:p14="http://schemas.microsoft.com/office/powerpoint/2010/main">
+    <mc:Choice Requires="p14">
       <p:transition p14:dur="300">
         <p:fade/>
       </p:transition>
     </mc:Choice>
-    <mc:Fallback>
+    <mc:Fallback xmlns="">
       <p:transition>
         <p:fade/>
       </p:transition>
@@ -11364,13 +11275,13 @@
   <p:clrMapOvr>
     <a:masterClrMapping/>
   </p:clrMapOvr>
-  <mc:AlternateContent xmlns:mc="http://schemas.openxmlformats.org/markup-compatibility/2006">
-    <mc:Choice xmlns:p14="http://schemas.microsoft.com/office/powerpoint/2010/main" Requires="p14">
+  <mc:AlternateContent xmlns:mc="http://schemas.openxmlformats.org/markup-compatibility/2006" xmlns:p14="http://schemas.microsoft.com/office/powerpoint/2010/main">
+    <mc:Choice Requires="p14">
       <p:transition p14:dur="300">
         <p:fade/>
       </p:transition>
     </mc:Choice>
-    <mc:Fallback>
+    <mc:Fallback xmlns="">
       <p:transition>
         <p:fade/>
       </p:transition>
@@ -11510,13 +11421,13 @@
   <p:clrMapOvr>
     <a:masterClrMapping/>
   </p:clrMapOvr>
-  <mc:AlternateContent xmlns:mc="http://schemas.openxmlformats.org/markup-compatibility/2006">
-    <mc:Choice xmlns:p14="http://schemas.microsoft.com/office/powerpoint/2010/main" Requires="p14">
+  <mc:AlternateContent xmlns:mc="http://schemas.openxmlformats.org/markup-compatibility/2006" xmlns:p14="http://schemas.microsoft.com/office/powerpoint/2010/main">
+    <mc:Choice Requires="p14">
       <p:transition p14:dur="300">
         <p:fade/>
       </p:transition>
     </mc:Choice>
-    <mc:Fallback>
+    <mc:Fallback xmlns="">
       <p:transition>
         <p:fade/>
       </p:transition>
@@ -11657,13 +11568,13 @@
   <p:clrMapOvr>
     <a:masterClrMapping/>
   </p:clrMapOvr>
-  <mc:AlternateContent xmlns:mc="http://schemas.openxmlformats.org/markup-compatibility/2006">
-    <mc:Choice xmlns:p14="http://schemas.microsoft.com/office/powerpoint/2010/main" Requires="p14">
+  <mc:AlternateContent xmlns:mc="http://schemas.openxmlformats.org/markup-compatibility/2006" xmlns:p14="http://schemas.microsoft.com/office/powerpoint/2010/main">
+    <mc:Choice Requires="p14">
       <p:transition p14:dur="300">
         <p:fade/>
       </p:transition>
     </mc:Choice>
-    <mc:Fallback>
+    <mc:Fallback xmlns="">
       <p:transition>
         <p:fade/>
       </p:transition>
@@ -11800,13 +11711,13 @@
   <p:clrMapOvr>
     <a:masterClrMapping/>
   </p:clrMapOvr>
-  <mc:AlternateContent xmlns:mc="http://schemas.openxmlformats.org/markup-compatibility/2006">
-    <mc:Choice xmlns:p14="http://schemas.microsoft.com/office/powerpoint/2010/main" Requires="p14">
+  <mc:AlternateContent xmlns:mc="http://schemas.openxmlformats.org/markup-compatibility/2006" xmlns:p14="http://schemas.microsoft.com/office/powerpoint/2010/main">
+    <mc:Choice Requires="p14">
       <p:transition p14:dur="300">
         <p:fade/>
       </p:transition>
     </mc:Choice>
-    <mc:Fallback>
+    <mc:Fallback xmlns="">
       <p:transition>
         <p:fade/>
       </p:transition>
@@ -11946,13 +11857,13 @@
   <p:clrMapOvr>
     <a:masterClrMapping/>
   </p:clrMapOvr>
-  <mc:AlternateContent xmlns:mc="http://schemas.openxmlformats.org/markup-compatibility/2006">
-    <mc:Choice xmlns:p14="http://schemas.microsoft.com/office/powerpoint/2010/main" Requires="p14">
+  <mc:AlternateContent xmlns:mc="http://schemas.openxmlformats.org/markup-compatibility/2006" xmlns:p14="http://schemas.microsoft.com/office/powerpoint/2010/main">
+    <mc:Choice Requires="p14">
       <p:transition p14:dur="300">
         <p:fade/>
       </p:transition>
     </mc:Choice>
-    <mc:Fallback>
+    <mc:Fallback xmlns="">
       <p:transition>
         <p:fade/>
       </p:transition>
@@ -12092,13 +12003,13 @@
   <p:clrMapOvr>
     <a:masterClrMapping/>
   </p:clrMapOvr>
-  <mc:AlternateContent xmlns:mc="http://schemas.openxmlformats.org/markup-compatibility/2006">
-    <mc:Choice xmlns:p14="http://schemas.microsoft.com/office/powerpoint/2010/main" Requires="p14">
+  <mc:AlternateContent xmlns:mc="http://schemas.openxmlformats.org/markup-compatibility/2006" xmlns:p14="http://schemas.microsoft.com/office/powerpoint/2010/main">
+    <mc:Choice Requires="p14">
       <p:transition p14:dur="300">
         <p:fade/>
       </p:transition>
     </mc:Choice>
-    <mc:Fallback>
+    <mc:Fallback xmlns="">
       <p:transition>
         <p:fade/>
       </p:transition>
@@ -12236,13 +12147,13 @@
   <p:clrMapOvr>
     <a:masterClrMapping/>
   </p:clrMapOvr>
-  <mc:AlternateContent xmlns:mc="http://schemas.openxmlformats.org/markup-compatibility/2006">
-    <mc:Choice xmlns:p14="http://schemas.microsoft.com/office/powerpoint/2010/main" Requires="p14">
+  <mc:AlternateContent xmlns:mc="http://schemas.openxmlformats.org/markup-compatibility/2006" xmlns:p14="http://schemas.microsoft.com/office/powerpoint/2010/main">
+    <mc:Choice Requires="p14">
       <p:transition p14:dur="300">
         <p:fade/>
       </p:transition>
     </mc:Choice>
-    <mc:Fallback>
+    <mc:Fallback xmlns="">
       <p:transition>
         <p:fade/>
       </p:transition>
@@ -12390,13 +12301,13 @@
   <p:clrMapOvr>
     <a:masterClrMapping/>
   </p:clrMapOvr>
-  <mc:AlternateContent xmlns:mc="http://schemas.openxmlformats.org/markup-compatibility/2006">
-    <mc:Choice xmlns:p14="http://schemas.microsoft.com/office/powerpoint/2010/main" Requires="p14">
+  <mc:AlternateContent xmlns:mc="http://schemas.openxmlformats.org/markup-compatibility/2006" xmlns:p14="http://schemas.microsoft.com/office/powerpoint/2010/main">
+    <mc:Choice Requires="p14">
       <p:transition p14:dur="300">
         <p:fade/>
       </p:transition>
     </mc:Choice>
-    <mc:Fallback>
+    <mc:Fallback xmlns="">
       <p:transition>
         <p:fade/>
       </p:transition>
@@ -12559,13 +12470,13 @@
   <p:clrMapOvr>
     <a:masterClrMapping/>
   </p:clrMapOvr>
-  <mc:AlternateContent xmlns:mc="http://schemas.openxmlformats.org/markup-compatibility/2006">
-    <mc:Choice xmlns:p14="http://schemas.microsoft.com/office/powerpoint/2010/main" Requires="p14">
+  <mc:AlternateContent xmlns:mc="http://schemas.openxmlformats.org/markup-compatibility/2006" xmlns:p14="http://schemas.microsoft.com/office/powerpoint/2010/main">
+    <mc:Choice Requires="p14">
       <p:transition p14:dur="300">
         <p:fade/>
       </p:transition>
     </mc:Choice>
-    <mc:Fallback>
+    <mc:Fallback xmlns="">
       <p:transition>
         <p:fade/>
       </p:transition>
@@ -12688,13 +12599,13 @@
   <p:clrMapOvr>
     <a:masterClrMapping/>
   </p:clrMapOvr>
-  <mc:AlternateContent xmlns:mc="http://schemas.openxmlformats.org/markup-compatibility/2006">
-    <mc:Choice xmlns:p14="http://schemas.microsoft.com/office/powerpoint/2010/main" Requires="p14">
+  <mc:AlternateContent xmlns:mc="http://schemas.openxmlformats.org/markup-compatibility/2006" xmlns:p14="http://schemas.microsoft.com/office/powerpoint/2010/main">
+    <mc:Choice Requires="p14">
       <p:transition p14:dur="300">
         <p:fade/>
       </p:transition>
     </mc:Choice>
-    <mc:Fallback>
+    <mc:Fallback xmlns="">
       <p:transition>
         <p:fade/>
       </p:transition>
@@ -12770,13 +12681,13 @@
   <p:clrMapOvr>
     <a:masterClrMapping/>
   </p:clrMapOvr>
-  <mc:AlternateContent xmlns:mc="http://schemas.openxmlformats.org/markup-compatibility/2006">
-    <mc:Choice xmlns:p14="http://schemas.microsoft.com/office/powerpoint/2010/main" Requires="p14">
+  <mc:AlternateContent xmlns:mc="http://schemas.openxmlformats.org/markup-compatibility/2006" xmlns:p14="http://schemas.microsoft.com/office/powerpoint/2010/main">
+    <mc:Choice Requires="p14">
       <p:transition p14:dur="300">
         <p:fade/>
       </p:transition>
     </mc:Choice>
-    <mc:Fallback>
+    <mc:Fallback xmlns="">
       <p:transition>
         <p:fade/>
       </p:transition>
@@ -13106,13 +13017,13 @@
   <p:clrMapOvr>
     <a:masterClrMapping/>
   </p:clrMapOvr>
-  <mc:AlternateContent xmlns:mc="http://schemas.openxmlformats.org/markup-compatibility/2006">
-    <mc:Choice xmlns:p14="http://schemas.microsoft.com/office/powerpoint/2010/main" Requires="p14">
+  <mc:AlternateContent xmlns:mc="http://schemas.openxmlformats.org/markup-compatibility/2006" xmlns:p14="http://schemas.microsoft.com/office/powerpoint/2010/main">
+    <mc:Choice Requires="p14">
       <p:transition p14:dur="300">
         <p:fade/>
       </p:transition>
     </mc:Choice>
-    <mc:Fallback>
+    <mc:Fallback xmlns="">
       <p:transition>
         <p:fade/>
       </p:transition>
@@ -13253,13 +13164,13 @@
   <p:clrMapOvr>
     <a:masterClrMapping/>
   </p:clrMapOvr>
-  <mc:AlternateContent xmlns:mc="http://schemas.openxmlformats.org/markup-compatibility/2006">
-    <mc:Choice xmlns:p14="http://schemas.microsoft.com/office/powerpoint/2010/main" Requires="p14">
+  <mc:AlternateContent xmlns:mc="http://schemas.openxmlformats.org/markup-compatibility/2006" xmlns:p14="http://schemas.microsoft.com/office/powerpoint/2010/main">
+    <mc:Choice Requires="p14">
       <p:transition p14:dur="300">
         <p:fade/>
       </p:transition>
     </mc:Choice>
-    <mc:Fallback>
+    <mc:Fallback xmlns="">
       <p:transition>
         <p:fade/>
       </p:transition>
@@ -13400,13 +13311,13 @@
   <p:clrMapOvr>
     <a:masterClrMapping/>
   </p:clrMapOvr>
-  <mc:AlternateContent xmlns:mc="http://schemas.openxmlformats.org/markup-compatibility/2006">
-    <mc:Choice xmlns:p14="http://schemas.microsoft.com/office/powerpoint/2010/main" Requires="p14">
+  <mc:AlternateContent xmlns:mc="http://schemas.openxmlformats.org/markup-compatibility/2006" xmlns:p14="http://schemas.microsoft.com/office/powerpoint/2010/main">
+    <mc:Choice Requires="p14">
       <p:transition p14:dur="300">
         <p:fade/>
       </p:transition>
     </mc:Choice>
-    <mc:Fallback>
+    <mc:Fallback xmlns="">
       <p:transition>
         <p:fade/>
       </p:transition>
@@ -13550,13 +13461,13 @@
   <p:clrMapOvr>
     <a:masterClrMapping/>
   </p:clrMapOvr>
-  <mc:AlternateContent xmlns:mc="http://schemas.openxmlformats.org/markup-compatibility/2006">
-    <mc:Choice xmlns:p14="http://schemas.microsoft.com/office/powerpoint/2010/main" Requires="p14">
+  <mc:AlternateContent xmlns:mc="http://schemas.openxmlformats.org/markup-compatibility/2006" xmlns:p14="http://schemas.microsoft.com/office/powerpoint/2010/main">
+    <mc:Choice Requires="p14">
       <p:transition p14:dur="300">
         <p:fade/>
       </p:transition>
     </mc:Choice>
-    <mc:Fallback>
+    <mc:Fallback xmlns="">
       <p:transition>
         <p:fade/>
       </p:transition>
@@ -13696,13 +13607,13 @@
   <p:clrMapOvr>
     <a:masterClrMapping/>
   </p:clrMapOvr>
-  <mc:AlternateContent xmlns:mc="http://schemas.openxmlformats.org/markup-compatibility/2006">
-    <mc:Choice xmlns:p14="http://schemas.microsoft.com/office/powerpoint/2010/main" Requires="p14">
+  <mc:AlternateContent xmlns:mc="http://schemas.openxmlformats.org/markup-compatibility/2006" xmlns:p14="http://schemas.microsoft.com/office/powerpoint/2010/main">
+    <mc:Choice Requires="p14">
       <p:transition p14:dur="300">
         <p:fade/>
       </p:transition>
     </mc:Choice>
-    <mc:Fallback>
+    <mc:Fallback xmlns="">
       <p:transition>
         <p:fade/>
       </p:transition>
@@ -13819,13 +13730,13 @@
   <p:clrMapOvr>
     <a:masterClrMapping/>
   </p:clrMapOvr>
-  <mc:AlternateContent xmlns:mc="http://schemas.openxmlformats.org/markup-compatibility/2006">
-    <mc:Choice xmlns:p14="http://schemas.microsoft.com/office/powerpoint/2010/main" Requires="p14">
+  <mc:AlternateContent xmlns:mc="http://schemas.openxmlformats.org/markup-compatibility/2006" xmlns:p14="http://schemas.microsoft.com/office/powerpoint/2010/main">
+    <mc:Choice Requires="p14">
       <p:transition p14:dur="300">
         <p:fade/>
       </p:transition>
     </mc:Choice>
-    <mc:Fallback>
+    <mc:Fallback xmlns="">
       <p:transition>
         <p:fade/>
       </p:transition>
@@ -13962,13 +13873,13 @@
   <p:clrMapOvr>
     <a:masterClrMapping/>
   </p:clrMapOvr>
-  <mc:AlternateContent xmlns:mc="http://schemas.openxmlformats.org/markup-compatibility/2006">
-    <mc:Choice xmlns:p14="http://schemas.microsoft.com/office/powerpoint/2010/main" Requires="p14">
+  <mc:AlternateContent xmlns:mc="http://schemas.openxmlformats.org/markup-compatibility/2006" xmlns:p14="http://schemas.microsoft.com/office/powerpoint/2010/main">
+    <mc:Choice Requires="p14">
       <p:transition p14:dur="300">
         <p:fade/>
       </p:transition>
     </mc:Choice>
-    <mc:Fallback>
+    <mc:Fallback xmlns="">
       <p:transition>
         <p:fade/>
       </p:transition>
@@ -14108,13 +14019,13 @@
   <p:clrMapOvr>
     <a:masterClrMapping/>
   </p:clrMapOvr>
-  <mc:AlternateContent xmlns:mc="http://schemas.openxmlformats.org/markup-compatibility/2006">
-    <mc:Choice xmlns:p14="http://schemas.microsoft.com/office/powerpoint/2010/main" Requires="p14">
+  <mc:AlternateContent xmlns:mc="http://schemas.openxmlformats.org/markup-compatibility/2006" xmlns:p14="http://schemas.microsoft.com/office/powerpoint/2010/main">
+    <mc:Choice Requires="p14">
       <p:transition p14:dur="300">
         <p:fade/>
       </p:transition>
     </mc:Choice>
-    <mc:Fallback>
+    <mc:Fallback xmlns="">
       <p:transition>
         <p:fade/>
       </p:transition>
@@ -14262,13 +14173,13 @@
   <p:clrMapOvr>
     <a:masterClrMapping/>
   </p:clrMapOvr>
-  <mc:AlternateContent xmlns:mc="http://schemas.openxmlformats.org/markup-compatibility/2006">
-    <mc:Choice xmlns:p14="http://schemas.microsoft.com/office/powerpoint/2010/main" Requires="p14">
+  <mc:AlternateContent xmlns:mc="http://schemas.openxmlformats.org/markup-compatibility/2006" xmlns:p14="http://schemas.microsoft.com/office/powerpoint/2010/main">
+    <mc:Choice Requires="p14">
       <p:transition p14:dur="300">
         <p:fade/>
       </p:transition>
     </mc:Choice>
-    <mc:Fallback>
+    <mc:Fallback xmlns="">
       <p:transition>
         <p:fade/>
       </p:transition>
@@ -14408,13 +14319,13 @@
   <p:clrMapOvr>
     <a:masterClrMapping/>
   </p:clrMapOvr>
-  <mc:AlternateContent xmlns:mc="http://schemas.openxmlformats.org/markup-compatibility/2006">
-    <mc:Choice xmlns:p14="http://schemas.microsoft.com/office/powerpoint/2010/main" Requires="p14">
+  <mc:AlternateContent xmlns:mc="http://schemas.openxmlformats.org/markup-compatibility/2006" xmlns:p14="http://schemas.microsoft.com/office/powerpoint/2010/main">
+    <mc:Choice Requires="p14">
       <p:transition p14:dur="300">
         <p:fade/>
       </p:transition>
     </mc:Choice>
-    <mc:Fallback>
+    <mc:Fallback xmlns="">
       <p:transition>
         <p:fade/>
       </p:transition>
@@ -14554,13 +14465,13 @@
   <p:clrMapOvr>
     <a:masterClrMapping/>
   </p:clrMapOvr>
-  <mc:AlternateContent xmlns:mc="http://schemas.openxmlformats.org/markup-compatibility/2006">
-    <mc:Choice xmlns:p14="http://schemas.microsoft.com/office/powerpoint/2010/main" Requires="p14">
+  <mc:AlternateContent xmlns:mc="http://schemas.openxmlformats.org/markup-compatibility/2006" xmlns:p14="http://schemas.microsoft.com/office/powerpoint/2010/main">
+    <mc:Choice Requires="p14">
       <p:transition p14:dur="300">
         <p:fade/>
       </p:transition>
     </mc:Choice>
-    <mc:Fallback>
+    <mc:Fallback xmlns="">
       <p:transition>
         <p:fade/>
       </p:transition>
@@ -14700,13 +14611,13 @@
   <p:clrMapOvr>
     <a:masterClrMapping/>
   </p:clrMapOvr>
-  <mc:AlternateContent xmlns:mc="http://schemas.openxmlformats.org/markup-compatibility/2006">
-    <mc:Choice xmlns:p14="http://schemas.microsoft.com/office/powerpoint/2010/main" Requires="p14">
+  <mc:AlternateContent xmlns:mc="http://schemas.openxmlformats.org/markup-compatibility/2006" xmlns:p14="http://schemas.microsoft.com/office/powerpoint/2010/main">
+    <mc:Choice Requires="p14">
       <p:transition p14:dur="300">
         <p:fade/>
       </p:transition>
     </mc:Choice>
-    <mc:Fallback>
+    <mc:Fallback xmlns="">
       <p:transition>
         <p:fade/>
       </p:transition>
@@ -14854,13 +14765,13 @@
   <p:clrMapOvr>
     <a:masterClrMapping/>
   </p:clrMapOvr>
-  <mc:AlternateContent xmlns:mc="http://schemas.openxmlformats.org/markup-compatibility/2006">
-    <mc:Choice xmlns:p14="http://schemas.microsoft.com/office/powerpoint/2010/main" Requires="p14">
+  <mc:AlternateContent xmlns:mc="http://schemas.openxmlformats.org/markup-compatibility/2006" xmlns:p14="http://schemas.microsoft.com/office/powerpoint/2010/main">
+    <mc:Choice Requires="p14">
       <p:transition p14:dur="300">
         <p:fade/>
       </p:transition>
     </mc:Choice>
-    <mc:Fallback>
+    <mc:Fallback xmlns="">
       <p:transition>
         <p:fade/>
       </p:transition>
@@ -14997,13 +14908,13 @@
   <p:clrMapOvr>
     <a:masterClrMapping/>
   </p:clrMapOvr>
-  <mc:AlternateContent xmlns:mc="http://schemas.openxmlformats.org/markup-compatibility/2006">
-    <mc:Choice xmlns:p14="http://schemas.microsoft.com/office/powerpoint/2010/main" Requires="p14">
+  <mc:AlternateContent xmlns:mc="http://schemas.openxmlformats.org/markup-compatibility/2006" xmlns:p14="http://schemas.microsoft.com/office/powerpoint/2010/main">
+    <mc:Choice Requires="p14">
       <p:transition p14:dur="300">
         <p:fade/>
       </p:transition>
     </mc:Choice>
-    <mc:Fallback>
+    <mc:Fallback xmlns="">
       <p:transition>
         <p:fade/>
       </p:transition>
@@ -15143,13 +15054,13 @@
   <p:clrMapOvr>
     <a:masterClrMapping/>
   </p:clrMapOvr>
-  <mc:AlternateContent xmlns:mc="http://schemas.openxmlformats.org/markup-compatibility/2006">
-    <mc:Choice xmlns:p14="http://schemas.microsoft.com/office/powerpoint/2010/main" Requires="p14">
+  <mc:AlternateContent xmlns:mc="http://schemas.openxmlformats.org/markup-compatibility/2006" xmlns:p14="http://schemas.microsoft.com/office/powerpoint/2010/main">
+    <mc:Choice Requires="p14">
       <p:transition p14:dur="300">
         <p:fade/>
       </p:transition>
     </mc:Choice>
-    <mc:Fallback>
+    <mc:Fallback xmlns="">
       <p:transition>
         <p:fade/>
       </p:transition>
@@ -15286,13 +15197,13 @@
   <p:clrMapOvr>
     <a:masterClrMapping/>
   </p:clrMapOvr>
-  <mc:AlternateContent xmlns:mc="http://schemas.openxmlformats.org/markup-compatibility/2006">
-    <mc:Choice xmlns:p14="http://schemas.microsoft.com/office/powerpoint/2010/main" Requires="p14">
+  <mc:AlternateContent xmlns:mc="http://schemas.openxmlformats.org/markup-compatibility/2006" xmlns:p14="http://schemas.microsoft.com/office/powerpoint/2010/main">
+    <mc:Choice Requires="p14">
       <p:transition p14:dur="300">
         <p:fade/>
       </p:transition>
     </mc:Choice>
-    <mc:Fallback>
+    <mc:Fallback xmlns="">
       <p:transition>
         <p:fade/>
       </p:transition>
@@ -15409,13 +15320,13 @@
   <p:clrMapOvr>
     <a:masterClrMapping/>
   </p:clrMapOvr>
-  <mc:AlternateContent xmlns:mc="http://schemas.openxmlformats.org/markup-compatibility/2006">
-    <mc:Choice xmlns:p14="http://schemas.microsoft.com/office/powerpoint/2010/main" Requires="p14">
+  <mc:AlternateContent xmlns:mc="http://schemas.openxmlformats.org/markup-compatibility/2006" xmlns:p14="http://schemas.microsoft.com/office/powerpoint/2010/main">
+    <mc:Choice Requires="p14">
       <p:transition p14:dur="300">
         <p:fade/>
       </p:transition>
     </mc:Choice>
-    <mc:Fallback>
+    <mc:Fallback xmlns="">
       <p:transition>
         <p:fade/>
       </p:transition>
@@ -15552,13 +15463,13 @@
   <p:clrMapOvr>
     <a:masterClrMapping/>
   </p:clrMapOvr>
-  <mc:AlternateContent xmlns:mc="http://schemas.openxmlformats.org/markup-compatibility/2006">
-    <mc:Choice xmlns:p14="http://schemas.microsoft.com/office/powerpoint/2010/main" Requires="p14">
+  <mc:AlternateContent xmlns:mc="http://schemas.openxmlformats.org/markup-compatibility/2006" xmlns:p14="http://schemas.microsoft.com/office/powerpoint/2010/main">
+    <mc:Choice Requires="p14">
       <p:transition p14:dur="300">
         <p:fade/>
       </p:transition>
     </mc:Choice>
-    <mc:Fallback>
+    <mc:Fallback xmlns="">
       <p:transition>
         <p:fade/>
       </p:transition>
@@ -15698,13 +15609,13 @@
   <p:clrMapOvr>
     <a:masterClrMapping/>
   </p:clrMapOvr>
-  <mc:AlternateContent xmlns:mc="http://schemas.openxmlformats.org/markup-compatibility/2006">
-    <mc:Choice xmlns:p14="http://schemas.microsoft.com/office/powerpoint/2010/main" Requires="p14">
+  <mc:AlternateContent xmlns:mc="http://schemas.openxmlformats.org/markup-compatibility/2006" xmlns:p14="http://schemas.microsoft.com/office/powerpoint/2010/main">
+    <mc:Choice Requires="p14">
       <p:transition p14:dur="300">
         <p:fade/>
       </p:transition>
     </mc:Choice>
-    <mc:Fallback>
+    <mc:Fallback xmlns="">
       <p:transition>
         <p:fade/>
       </p:transition>
@@ -15844,13 +15755,13 @@
   <p:clrMapOvr>
     <a:masterClrMapping/>
   </p:clrMapOvr>
-  <mc:AlternateContent xmlns:mc="http://schemas.openxmlformats.org/markup-compatibility/2006">
-    <mc:Choice xmlns:p14="http://schemas.microsoft.com/office/powerpoint/2010/main" Requires="p14">
+  <mc:AlternateContent xmlns:mc="http://schemas.openxmlformats.org/markup-compatibility/2006" xmlns:p14="http://schemas.microsoft.com/office/powerpoint/2010/main">
+    <mc:Choice Requires="p14">
       <p:transition p14:dur="300">
         <p:fade/>
       </p:transition>
     </mc:Choice>
-    <mc:Fallback>
+    <mc:Fallback xmlns="">
       <p:transition>
         <p:fade/>
       </p:transition>
@@ -15990,13 +15901,13 @@
   <p:clrMapOvr>
     <a:masterClrMapping/>
   </p:clrMapOvr>
-  <mc:AlternateContent xmlns:mc="http://schemas.openxmlformats.org/markup-compatibility/2006">
-    <mc:Choice xmlns:p14="http://schemas.microsoft.com/office/powerpoint/2010/main" Requires="p14">
+  <mc:AlternateContent xmlns:mc="http://schemas.openxmlformats.org/markup-compatibility/2006" xmlns:p14="http://schemas.microsoft.com/office/powerpoint/2010/main">
+    <mc:Choice Requires="p14">
       <p:transition p14:dur="300">
         <p:fade/>
       </p:transition>
     </mc:Choice>
-    <mc:Fallback>
+    <mc:Fallback xmlns="">
       <p:transition>
         <p:fade/>
       </p:transition>
@@ -16133,13 +16044,13 @@
   <p:clrMapOvr>
     <a:masterClrMapping/>
   </p:clrMapOvr>
-  <mc:AlternateContent xmlns:mc="http://schemas.openxmlformats.org/markup-compatibility/2006">
-    <mc:Choice xmlns:p14="http://schemas.microsoft.com/office/powerpoint/2010/main" Requires="p14">
+  <mc:AlternateContent xmlns:mc="http://schemas.openxmlformats.org/markup-compatibility/2006" xmlns:p14="http://schemas.microsoft.com/office/powerpoint/2010/main">
+    <mc:Choice Requires="p14">
       <p:transition p14:dur="300">
         <p:fade/>
       </p:transition>
     </mc:Choice>
-    <mc:Fallback>
+    <mc:Fallback xmlns="">
       <p:transition>
         <p:fade/>
       </p:transition>
@@ -16276,13 +16187,13 @@
   <p:clrMapOvr>
     <a:masterClrMapping/>
   </p:clrMapOvr>
-  <mc:AlternateContent xmlns:mc="http://schemas.openxmlformats.org/markup-compatibility/2006">
-    <mc:Choice xmlns:p14="http://schemas.microsoft.com/office/powerpoint/2010/main" Requires="p14">
+  <mc:AlternateContent xmlns:mc="http://schemas.openxmlformats.org/markup-compatibility/2006" xmlns:p14="http://schemas.microsoft.com/office/powerpoint/2010/main">
+    <mc:Choice Requires="p14">
       <p:transition p14:dur="300">
         <p:fade/>
       </p:transition>
     </mc:Choice>
-    <mc:Fallback>
+    <mc:Fallback xmlns="">
       <p:transition>
         <p:fade/>
       </p:transition>
@@ -16422,13 +16333,13 @@
   <p:clrMapOvr>
     <a:masterClrMapping/>
   </p:clrMapOvr>
-  <mc:AlternateContent xmlns:mc="http://schemas.openxmlformats.org/markup-compatibility/2006">
-    <mc:Choice xmlns:p14="http://schemas.microsoft.com/office/powerpoint/2010/main" Requires="p14">
+  <mc:AlternateContent xmlns:mc="http://schemas.openxmlformats.org/markup-compatibility/2006" xmlns:p14="http://schemas.microsoft.com/office/powerpoint/2010/main">
+    <mc:Choice Requires="p14">
       <p:transition p14:dur="300">
         <p:fade/>
       </p:transition>
     </mc:Choice>
-    <mc:Fallback>
+    <mc:Fallback xmlns="">
       <p:transition>
         <p:fade/>
       </p:transition>
@@ -16568,13 +16479,13 @@
   <p:clrMapOvr>
     <a:masterClrMapping/>
   </p:clrMapOvr>
-  <mc:AlternateContent xmlns:mc="http://schemas.openxmlformats.org/markup-compatibility/2006">
-    <mc:Choice xmlns:p14="http://schemas.microsoft.com/office/powerpoint/2010/main" Requires="p14">
+  <mc:AlternateContent xmlns:mc="http://schemas.openxmlformats.org/markup-compatibility/2006" xmlns:p14="http://schemas.microsoft.com/office/powerpoint/2010/main">
+    <mc:Choice Requires="p14">
       <p:transition p14:dur="300">
         <p:fade/>
       </p:transition>
     </mc:Choice>
-    <mc:Fallback>
+    <mc:Fallback xmlns="">
       <p:transition>
         <p:fade/>
       </p:transition>
@@ -16711,13 +16622,13 @@
   <p:clrMapOvr>
     <a:masterClrMapping/>
   </p:clrMapOvr>
-  <mc:AlternateContent xmlns:mc="http://schemas.openxmlformats.org/markup-compatibility/2006">
-    <mc:Choice xmlns:p14="http://schemas.microsoft.com/office/powerpoint/2010/main" Requires="p14">
+  <mc:AlternateContent xmlns:mc="http://schemas.openxmlformats.org/markup-compatibility/2006" xmlns:p14="http://schemas.microsoft.com/office/powerpoint/2010/main">
+    <mc:Choice Requires="p14">
       <p:transition p14:dur="300">
         <p:fade/>
       </p:transition>
     </mc:Choice>
-    <mc:Fallback>
+    <mc:Fallback xmlns="">
       <p:transition>
         <p:fade/>
       </p:transition>
@@ -16857,13 +16768,13 @@
   <p:clrMapOvr>
     <a:masterClrMapping/>
   </p:clrMapOvr>
-  <mc:AlternateContent xmlns:mc="http://schemas.openxmlformats.org/markup-compatibility/2006">
-    <mc:Choice xmlns:p14="http://schemas.microsoft.com/office/powerpoint/2010/main" Requires="p14">
+  <mc:AlternateContent xmlns:mc="http://schemas.openxmlformats.org/markup-compatibility/2006" xmlns:p14="http://schemas.microsoft.com/office/powerpoint/2010/main">
+    <mc:Choice Requires="p14">
       <p:transition p14:dur="300">
         <p:fade/>
       </p:transition>
     </mc:Choice>
-    <mc:Fallback>
+    <mc:Fallback xmlns="">
       <p:transition>
         <p:fade/>
       </p:transition>
@@ -16986,13 +16897,13 @@
   <p:clrMapOvr>
     <a:masterClrMapping/>
   </p:clrMapOvr>
-  <mc:AlternateContent xmlns:mc="http://schemas.openxmlformats.org/markup-compatibility/2006">
-    <mc:Choice xmlns:p14="http://schemas.microsoft.com/office/powerpoint/2010/main" Requires="p14">
+  <mc:AlternateContent xmlns:mc="http://schemas.openxmlformats.org/markup-compatibility/2006" xmlns:p14="http://schemas.microsoft.com/office/powerpoint/2010/main">
+    <mc:Choice Requires="p14">
       <p:transition p14:dur="300">
         <p:fade/>
       </p:transition>
     </mc:Choice>
-    <mc:Fallback>
+    <mc:Fallback xmlns="">
       <p:transition>
         <p:fade/>
       </p:transition>
@@ -17132,13 +17043,13 @@
   <p:clrMapOvr>
     <a:masterClrMapping/>
   </p:clrMapOvr>
-  <mc:AlternateContent xmlns:mc="http://schemas.openxmlformats.org/markup-compatibility/2006">
-    <mc:Choice xmlns:p14="http://schemas.microsoft.com/office/powerpoint/2010/main" Requires="p14">
+  <mc:AlternateContent xmlns:mc="http://schemas.openxmlformats.org/markup-compatibility/2006" xmlns:p14="http://schemas.microsoft.com/office/powerpoint/2010/main">
+    <mc:Choice Requires="p14">
       <p:transition p14:dur="300">
         <p:fade/>
       </p:transition>
     </mc:Choice>
-    <mc:Fallback>
+    <mc:Fallback xmlns="">
       <p:transition>
         <p:fade/>
       </p:transition>
@@ -17278,13 +17189,13 @@
   <p:clrMapOvr>
     <a:masterClrMapping/>
   </p:clrMapOvr>
-  <mc:AlternateContent xmlns:mc="http://schemas.openxmlformats.org/markup-compatibility/2006">
-    <mc:Choice xmlns:p14="http://schemas.microsoft.com/office/powerpoint/2010/main" Requires="p14">
+  <mc:AlternateContent xmlns:mc="http://schemas.openxmlformats.org/markup-compatibility/2006" xmlns:p14="http://schemas.microsoft.com/office/powerpoint/2010/main">
+    <mc:Choice Requires="p14">
       <p:transition p14:dur="300">
         <p:fade/>
       </p:transition>
     </mc:Choice>
-    <mc:Fallback>
+    <mc:Fallback xmlns="">
       <p:transition>
         <p:fade/>
       </p:transition>
@@ -17425,13 +17336,13 @@
   <p:clrMapOvr>
     <a:masterClrMapping/>
   </p:clrMapOvr>
-  <mc:AlternateContent xmlns:mc="http://schemas.openxmlformats.org/markup-compatibility/2006">
-    <mc:Choice xmlns:p14="http://schemas.microsoft.com/office/powerpoint/2010/main" Requires="p14">
+  <mc:AlternateContent xmlns:mc="http://schemas.openxmlformats.org/markup-compatibility/2006" xmlns:p14="http://schemas.microsoft.com/office/powerpoint/2010/main">
+    <mc:Choice Requires="p14">
       <p:transition p14:dur="300">
         <p:fade/>
       </p:transition>
     </mc:Choice>
-    <mc:Fallback>
+    <mc:Fallback xmlns="">
       <p:transition>
         <p:fade/>
       </p:transition>
@@ -17568,13 +17479,13 @@
   <p:clrMapOvr>
     <a:masterClrMapping/>
   </p:clrMapOvr>
-  <mc:AlternateContent xmlns:mc="http://schemas.openxmlformats.org/markup-compatibility/2006">
-    <mc:Choice xmlns:p14="http://schemas.microsoft.com/office/powerpoint/2010/main" Requires="p14">
+  <mc:AlternateContent xmlns:mc="http://schemas.openxmlformats.org/markup-compatibility/2006" xmlns:p14="http://schemas.microsoft.com/office/powerpoint/2010/main">
+    <mc:Choice Requires="p14">
       <p:transition p14:dur="300">
         <p:fade/>
       </p:transition>
     </mc:Choice>
-    <mc:Fallback>
+    <mc:Fallback xmlns="">
       <p:transition>
         <p:fade/>
       </p:transition>
@@ -17714,13 +17625,13 @@
   <p:clrMapOvr>
     <a:masterClrMapping/>
   </p:clrMapOvr>
-  <mc:AlternateContent xmlns:mc="http://schemas.openxmlformats.org/markup-compatibility/2006">
-    <mc:Choice xmlns:p14="http://schemas.microsoft.com/office/powerpoint/2010/main" Requires="p14">
+  <mc:AlternateContent xmlns:mc="http://schemas.openxmlformats.org/markup-compatibility/2006" xmlns:p14="http://schemas.microsoft.com/office/powerpoint/2010/main">
+    <mc:Choice Requires="p14">
       <p:transition p14:dur="300">
         <p:fade/>
       </p:transition>
     </mc:Choice>
-    <mc:Fallback>
+    <mc:Fallback xmlns="">
       <p:transition>
         <p:fade/>
       </p:transition>
@@ -17861,13 +17772,13 @@
   <p:clrMapOvr>
     <a:masterClrMapping/>
   </p:clrMapOvr>
-  <mc:AlternateContent xmlns:mc="http://schemas.openxmlformats.org/markup-compatibility/2006">
-    <mc:Choice xmlns:p14="http://schemas.microsoft.com/office/powerpoint/2010/main" Requires="p14">
+  <mc:AlternateContent xmlns:mc="http://schemas.openxmlformats.org/markup-compatibility/2006" xmlns:p14="http://schemas.microsoft.com/office/powerpoint/2010/main">
+    <mc:Choice Requires="p14">
       <p:transition p14:dur="300">
         <p:fade/>
       </p:transition>
     </mc:Choice>
-    <mc:Fallback>
+    <mc:Fallback xmlns="">
       <p:transition>
         <p:fade/>
       </p:transition>
@@ -18004,13 +17915,13 @@
   <p:clrMapOvr>
     <a:masterClrMapping/>
   </p:clrMapOvr>
-  <mc:AlternateContent xmlns:mc="http://schemas.openxmlformats.org/markup-compatibility/2006">
-    <mc:Choice xmlns:p14="http://schemas.microsoft.com/office/powerpoint/2010/main" Requires="p14">
+  <mc:AlternateContent xmlns:mc="http://schemas.openxmlformats.org/markup-compatibility/2006" xmlns:p14="http://schemas.microsoft.com/office/powerpoint/2010/main">
+    <mc:Choice Requires="p14">
       <p:transition p14:dur="300">
         <p:fade/>
       </p:transition>
     </mc:Choice>
-    <mc:Fallback>
+    <mc:Fallback xmlns="">
       <p:transition>
         <p:fade/>
       </p:transition>
@@ -18151,13 +18062,13 @@
   <p:clrMapOvr>
     <a:masterClrMapping/>
   </p:clrMapOvr>
-  <mc:AlternateContent xmlns:mc="http://schemas.openxmlformats.org/markup-compatibility/2006">
-    <mc:Choice xmlns:p14="http://schemas.microsoft.com/office/powerpoint/2010/main" Requires="p14">
+  <mc:AlternateContent xmlns:mc="http://schemas.openxmlformats.org/markup-compatibility/2006" xmlns:p14="http://schemas.microsoft.com/office/powerpoint/2010/main">
+    <mc:Choice Requires="p14">
       <p:transition p14:dur="300">
         <p:fade/>
       </p:transition>
     </mc:Choice>
-    <mc:Fallback>
+    <mc:Fallback xmlns="">
       <p:transition>
         <p:fade/>
       </p:transition>
@@ -18306,13 +18217,13 @@
   <p:clrMapOvr>
     <a:masterClrMapping/>
   </p:clrMapOvr>
-  <mc:AlternateContent xmlns:mc="http://schemas.openxmlformats.org/markup-compatibility/2006">
-    <mc:Choice xmlns:p14="http://schemas.microsoft.com/office/powerpoint/2010/main" Requires="p14">
+  <mc:AlternateContent xmlns:mc="http://schemas.openxmlformats.org/markup-compatibility/2006" xmlns:p14="http://schemas.microsoft.com/office/powerpoint/2010/main">
+    <mc:Choice Requires="p14">
       <p:transition p14:dur="300">
         <p:fade/>
       </p:transition>
     </mc:Choice>
-    <mc:Fallback>
+    <mc:Fallback xmlns="">
       <p:transition>
         <p:fade/>
       </p:transition>
@@ -18456,13 +18367,13 @@
   <p:clrMapOvr>
     <a:masterClrMapping/>
   </p:clrMapOvr>
-  <mc:AlternateContent xmlns:mc="http://schemas.openxmlformats.org/markup-compatibility/2006">
-    <mc:Choice xmlns:p14="http://schemas.microsoft.com/office/powerpoint/2010/main" Requires="p14">
+  <mc:AlternateContent xmlns:mc="http://schemas.openxmlformats.org/markup-compatibility/2006" xmlns:p14="http://schemas.microsoft.com/office/powerpoint/2010/main">
+    <mc:Choice Requires="p14">
       <p:transition p14:dur="300">
         <p:fade/>
       </p:transition>
     </mc:Choice>
-    <mc:Fallback>
+    <mc:Fallback xmlns="">
       <p:transition>
         <p:fade/>
       </p:transition>
@@ -18600,13 +18511,13 @@
   <p:clrMapOvr>
     <a:masterClrMapping/>
   </p:clrMapOvr>
-  <mc:AlternateContent xmlns:mc="http://schemas.openxmlformats.org/markup-compatibility/2006">
-    <mc:Choice xmlns:p14="http://schemas.microsoft.com/office/powerpoint/2010/main" Requires="p14">
+  <mc:AlternateContent xmlns:mc="http://schemas.openxmlformats.org/markup-compatibility/2006" xmlns:p14="http://schemas.microsoft.com/office/powerpoint/2010/main">
+    <mc:Choice Requires="p14">
       <p:transition p14:dur="300">
         <p:fade/>
       </p:transition>
     </mc:Choice>
-    <mc:Fallback>
+    <mc:Fallback xmlns="">
       <p:transition>
         <p:fade/>
       </p:transition>
@@ -18743,13 +18654,13 @@
   <p:clrMapOvr>
     <a:masterClrMapping/>
   </p:clrMapOvr>
-  <mc:AlternateContent xmlns:mc="http://schemas.openxmlformats.org/markup-compatibility/2006">
-    <mc:Choice xmlns:p14="http://schemas.microsoft.com/office/powerpoint/2010/main" Requires="p14">
+  <mc:AlternateContent xmlns:mc="http://schemas.openxmlformats.org/markup-compatibility/2006" xmlns:p14="http://schemas.microsoft.com/office/powerpoint/2010/main">
+    <mc:Choice Requires="p14">
       <p:transition p14:dur="300">
         <p:fade/>
       </p:transition>
     </mc:Choice>
-    <mc:Fallback>
+    <mc:Fallback xmlns="">
       <p:transition>
         <p:fade/>
       </p:transition>
@@ -18890,13 +18801,13 @@
   <p:clrMapOvr>
     <a:masterClrMapping/>
   </p:clrMapOvr>
-  <mc:AlternateContent xmlns:mc="http://schemas.openxmlformats.org/markup-compatibility/2006">
-    <mc:Choice xmlns:p14="http://schemas.microsoft.com/office/powerpoint/2010/main" Requires="p14">
+  <mc:AlternateContent xmlns:mc="http://schemas.openxmlformats.org/markup-compatibility/2006" xmlns:p14="http://schemas.microsoft.com/office/powerpoint/2010/main">
+    <mc:Choice Requires="p14">
       <p:transition p14:dur="300">
         <p:fade/>
       </p:transition>
     </mc:Choice>
-    <mc:Fallback>
+    <mc:Fallback xmlns="">
       <p:transition>
         <p:fade/>
       </p:transition>
@@ -19036,13 +18947,13 @@
   <p:clrMapOvr>
     <a:masterClrMapping/>
   </p:clrMapOvr>
-  <mc:AlternateContent xmlns:mc="http://schemas.openxmlformats.org/markup-compatibility/2006">
-    <mc:Choice xmlns:p14="http://schemas.microsoft.com/office/powerpoint/2010/main" Requires="p14">
+  <mc:AlternateContent xmlns:mc="http://schemas.openxmlformats.org/markup-compatibility/2006" xmlns:p14="http://schemas.microsoft.com/office/powerpoint/2010/main">
+    <mc:Choice Requires="p14">
       <p:transition p14:dur="300">
         <p:fade/>
       </p:transition>
     </mc:Choice>
-    <mc:Fallback>
+    <mc:Fallback xmlns="">
       <p:transition>
         <p:fade/>
       </p:transition>
@@ -19186,13 +19097,13 @@
   <p:clrMapOvr>
     <a:masterClrMapping/>
   </p:clrMapOvr>
-  <mc:AlternateContent xmlns:mc="http://schemas.openxmlformats.org/markup-compatibility/2006">
-    <mc:Choice xmlns:p14="http://schemas.microsoft.com/office/powerpoint/2010/main" Requires="p14">
+  <mc:AlternateContent xmlns:mc="http://schemas.openxmlformats.org/markup-compatibility/2006" xmlns:p14="http://schemas.microsoft.com/office/powerpoint/2010/main">
+    <mc:Choice Requires="p14">
       <p:transition p14:dur="300">
         <p:fade/>
       </p:transition>
     </mc:Choice>
-    <mc:Fallback>
+    <mc:Fallback xmlns="">
       <p:transition>
         <p:fade/>
       </p:transition>
@@ -19329,13 +19240,13 @@
   <p:clrMapOvr>
     <a:masterClrMapping/>
   </p:clrMapOvr>
-  <mc:AlternateContent xmlns:mc="http://schemas.openxmlformats.org/markup-compatibility/2006">
-    <mc:Choice xmlns:p14="http://schemas.microsoft.com/office/powerpoint/2010/main" Requires="p14">
+  <mc:AlternateContent xmlns:mc="http://schemas.openxmlformats.org/markup-compatibility/2006" xmlns:p14="http://schemas.microsoft.com/office/powerpoint/2010/main">
+    <mc:Choice Requires="p14">
       <p:transition p14:dur="300">
         <p:fade/>
       </p:transition>
     </mc:Choice>
-    <mc:Fallback>
+    <mc:Fallback xmlns="">
       <p:transition>
         <p:fade/>
       </p:transition>
@@ -19476,13 +19387,13 @@
   <p:clrMapOvr>
     <a:masterClrMapping/>
   </p:clrMapOvr>
-  <mc:AlternateContent xmlns:mc="http://schemas.openxmlformats.org/markup-compatibility/2006">
-    <mc:Choice xmlns:p14="http://schemas.microsoft.com/office/powerpoint/2010/main" Requires="p14">
+  <mc:AlternateContent xmlns:mc="http://schemas.openxmlformats.org/markup-compatibility/2006" xmlns:p14="http://schemas.microsoft.com/office/powerpoint/2010/main">
+    <mc:Choice Requires="p14">
       <p:transition p14:dur="300">
         <p:fade/>
       </p:transition>
     </mc:Choice>
-    <mc:Fallback>
+    <mc:Fallback xmlns="">
       <p:transition>
         <p:fade/>
       </p:transition>
@@ -19622,13 +19533,13 @@
   <p:clrMapOvr>
     <a:masterClrMapping/>
   </p:clrMapOvr>
-  <mc:AlternateContent xmlns:mc="http://schemas.openxmlformats.org/markup-compatibility/2006">
-    <mc:Choice xmlns:p14="http://schemas.microsoft.com/office/powerpoint/2010/main" Requires="p14">
+  <mc:AlternateContent xmlns:mc="http://schemas.openxmlformats.org/markup-compatibility/2006" xmlns:p14="http://schemas.microsoft.com/office/powerpoint/2010/main">
+    <mc:Choice Requires="p14">
       <p:transition p14:dur="300">
         <p:fade/>
       </p:transition>
     </mc:Choice>
-    <mc:Fallback>
+    <mc:Fallback xmlns="">
       <p:transition>
         <p:fade/>
       </p:transition>
@@ -19768,13 +19679,13 @@
   <p:clrMapOvr>
     <a:masterClrMapping/>
   </p:clrMapOvr>
-  <mc:AlternateContent xmlns:mc="http://schemas.openxmlformats.org/markup-compatibility/2006">
-    <mc:Choice xmlns:p14="http://schemas.microsoft.com/office/powerpoint/2010/main" Requires="p14">
+  <mc:AlternateContent xmlns:mc="http://schemas.openxmlformats.org/markup-compatibility/2006" xmlns:p14="http://schemas.microsoft.com/office/powerpoint/2010/main">
+    <mc:Choice Requires="p14">
       <p:transition p14:dur="300">
         <p:fade/>
       </p:transition>
     </mc:Choice>
-    <mc:Fallback>
+    <mc:Fallback xmlns="">
       <p:transition>
         <p:fade/>
       </p:transition>
@@ -19918,13 +19829,13 @@
   <p:clrMapOvr>
     <a:masterClrMapping/>
   </p:clrMapOvr>
-  <mc:AlternateContent xmlns:mc="http://schemas.openxmlformats.org/markup-compatibility/2006">
-    <mc:Choice xmlns:p14="http://schemas.microsoft.com/office/powerpoint/2010/main" Requires="p14">
+  <mc:AlternateContent xmlns:mc="http://schemas.openxmlformats.org/markup-compatibility/2006" xmlns:p14="http://schemas.microsoft.com/office/powerpoint/2010/main">
+    <mc:Choice Requires="p14">
       <p:transition p14:dur="300">
         <p:fade/>
       </p:transition>
     </mc:Choice>
-    <mc:Fallback>
+    <mc:Fallback xmlns="">
       <p:transition>
         <p:fade/>
       </p:transition>
@@ -20064,13 +19975,13 @@
   <p:clrMapOvr>
     <a:masterClrMapping/>
   </p:clrMapOvr>
-  <mc:AlternateContent xmlns:mc="http://schemas.openxmlformats.org/markup-compatibility/2006">
-    <mc:Choice xmlns:p14="http://schemas.microsoft.com/office/powerpoint/2010/main" Requires="p14">
+  <mc:AlternateContent xmlns:mc="http://schemas.openxmlformats.org/markup-compatibility/2006" xmlns:p14="http://schemas.microsoft.com/office/powerpoint/2010/main">
+    <mc:Choice Requires="p14">
       <p:transition p14:dur="300">
         <p:fade/>
       </p:transition>
     </mc:Choice>
-    <mc:Fallback>
+    <mc:Fallback xmlns="">
       <p:transition>
         <p:fade/>
       </p:transition>
@@ -20214,13 +20125,13 @@
   <p:clrMapOvr>
     <a:masterClrMapping/>
   </p:clrMapOvr>
-  <mc:AlternateContent xmlns:mc="http://schemas.openxmlformats.org/markup-compatibility/2006">
-    <mc:Choice xmlns:p14="http://schemas.microsoft.com/office/powerpoint/2010/main" Requires="p14">
+  <mc:AlternateContent xmlns:mc="http://schemas.openxmlformats.org/markup-compatibility/2006" xmlns:p14="http://schemas.microsoft.com/office/powerpoint/2010/main">
+    <mc:Choice Requires="p14">
       <p:transition p14:dur="300">
         <p:fade/>
       </p:transition>
     </mc:Choice>
-    <mc:Fallback>
+    <mc:Fallback xmlns="">
       <p:transition>
         <p:fade/>
       </p:transition>
@@ -20357,13 +20268,13 @@
   <p:clrMapOvr>
     <a:masterClrMapping/>
   </p:clrMapOvr>
-  <mc:AlternateContent xmlns:mc="http://schemas.openxmlformats.org/markup-compatibility/2006">
-    <mc:Choice xmlns:p14="http://schemas.microsoft.com/office/powerpoint/2010/main" Requires="p14">
+  <mc:AlternateContent xmlns:mc="http://schemas.openxmlformats.org/markup-compatibility/2006" xmlns:p14="http://schemas.microsoft.com/office/powerpoint/2010/main">
+    <mc:Choice Requires="p14">
       <p:transition p14:dur="300">
         <p:fade/>
       </p:transition>
     </mc:Choice>
-    <mc:Fallback>
+    <mc:Fallback xmlns="">
       <p:transition>
         <p:fade/>
       </p:transition>
@@ -20503,13 +20414,13 @@
   <p:clrMapOvr>
     <a:masterClrMapping/>
   </p:clrMapOvr>
-  <mc:AlternateContent xmlns:mc="http://schemas.openxmlformats.org/markup-compatibility/2006">
-    <mc:Choice xmlns:p14="http://schemas.microsoft.com/office/powerpoint/2010/main" Requires="p14">
+  <mc:AlternateContent xmlns:mc="http://schemas.openxmlformats.org/markup-compatibility/2006" xmlns:p14="http://schemas.microsoft.com/office/powerpoint/2010/main">
+    <mc:Choice Requires="p14">
       <p:transition p14:dur="300">
         <p:fade/>
       </p:transition>
     </mc:Choice>
-    <mc:Fallback>
+    <mc:Fallback xmlns="">
       <p:transition>
         <p:fade/>
       </p:transition>
@@ -20646,13 +20557,13 @@
   <p:clrMapOvr>
     <a:masterClrMapping/>
   </p:clrMapOvr>
-  <mc:AlternateContent xmlns:mc="http://schemas.openxmlformats.org/markup-compatibility/2006">
-    <mc:Choice xmlns:p14="http://schemas.microsoft.com/office/powerpoint/2010/main" Requires="p14">
+  <mc:AlternateContent xmlns:mc="http://schemas.openxmlformats.org/markup-compatibility/2006" xmlns:p14="http://schemas.microsoft.com/office/powerpoint/2010/main">
+    <mc:Choice Requires="p14">
       <p:transition p14:dur="300">
         <p:fade/>
       </p:transition>
     </mc:Choice>
-    <mc:Fallback>
+    <mc:Fallback xmlns="">
       <p:transition>
         <p:fade/>
       </p:transition>
@@ -20789,13 +20700,13 @@
   <p:clrMapOvr>
     <a:masterClrMapping/>
   </p:clrMapOvr>
-  <mc:AlternateContent xmlns:mc="http://schemas.openxmlformats.org/markup-compatibility/2006">
-    <mc:Choice xmlns:p14="http://schemas.microsoft.com/office/powerpoint/2010/main" Requires="p14">
+  <mc:AlternateContent xmlns:mc="http://schemas.openxmlformats.org/markup-compatibility/2006" xmlns:p14="http://schemas.microsoft.com/office/powerpoint/2010/main">
+    <mc:Choice Requires="p14">
       <p:transition p14:dur="300">
         <p:fade/>
       </p:transition>
     </mc:Choice>
-    <mc:Fallback>
+    <mc:Fallback xmlns="">
       <p:transition>
         <p:fade/>
       </p:transition>
@@ -20935,13 +20846,13 @@
   <p:clrMapOvr>
     <a:masterClrMapping/>
   </p:clrMapOvr>
-  <mc:AlternateContent xmlns:mc="http://schemas.openxmlformats.org/markup-compatibility/2006">
-    <mc:Choice xmlns:p14="http://schemas.microsoft.com/office/powerpoint/2010/main" Requires="p14">
+  <mc:AlternateContent xmlns:mc="http://schemas.openxmlformats.org/markup-compatibility/2006" xmlns:p14="http://schemas.microsoft.com/office/powerpoint/2010/main">
+    <mc:Choice Requires="p14">
       <p:transition p14:dur="300">
         <p:fade/>
       </p:transition>
     </mc:Choice>
-    <mc:Fallback>
+    <mc:Fallback xmlns="">
       <p:transition>
         <p:fade/>
       </p:transition>
@@ -21081,13 +20992,13 @@
   <p:clrMapOvr>
     <a:masterClrMapping/>
   </p:clrMapOvr>
-  <mc:AlternateContent xmlns:mc="http://schemas.openxmlformats.org/markup-compatibility/2006">
-    <mc:Choice xmlns:p14="http://schemas.microsoft.com/office/powerpoint/2010/main" Requires="p14">
+  <mc:AlternateContent xmlns:mc="http://schemas.openxmlformats.org/markup-compatibility/2006" xmlns:p14="http://schemas.microsoft.com/office/powerpoint/2010/main">
+    <mc:Choice Requires="p14">
       <p:transition p14:dur="300">
         <p:fade/>
       </p:transition>
     </mc:Choice>
-    <mc:Fallback>
+    <mc:Fallback xmlns="">
       <p:transition>
         <p:fade/>
       </p:transition>
@@ -21224,13 +21135,13 @@
   <p:clrMapOvr>
     <a:masterClrMapping/>
   </p:clrMapOvr>
-  <mc:AlternateContent xmlns:mc="http://schemas.openxmlformats.org/markup-compatibility/2006">
-    <mc:Choice xmlns:p14="http://schemas.microsoft.com/office/powerpoint/2010/main" Requires="p14">
+  <mc:AlternateContent xmlns:mc="http://schemas.openxmlformats.org/markup-compatibility/2006" xmlns:p14="http://schemas.microsoft.com/office/powerpoint/2010/main">
+    <mc:Choice Requires="p14">
       <p:transition p14:dur="300">
         <p:fade/>
       </p:transition>
     </mc:Choice>
-    <mc:Fallback>
+    <mc:Fallback xmlns="">
       <p:transition>
         <p:fade/>
       </p:transition>
@@ -21367,13 +21278,13 @@
   <p:clrMapOvr>
     <a:masterClrMapping/>
   </p:clrMapOvr>
-  <mc:AlternateContent xmlns:mc="http://schemas.openxmlformats.org/markup-compatibility/2006">
-    <mc:Choice xmlns:p14="http://schemas.microsoft.com/office/powerpoint/2010/main" Requires="p14">
+  <mc:AlternateContent xmlns:mc="http://schemas.openxmlformats.org/markup-compatibility/2006" xmlns:p14="http://schemas.microsoft.com/office/powerpoint/2010/main">
+    <mc:Choice Requires="p14">
       <p:transition p14:dur="300">
         <p:fade/>
       </p:transition>
     </mc:Choice>
-    <mc:Fallback>
+    <mc:Fallback xmlns="">
       <p:transition>
         <p:fade/>
       </p:transition>
@@ -21513,13 +21424,13 @@
   <p:clrMapOvr>
     <a:masterClrMapping/>
   </p:clrMapOvr>
-  <mc:AlternateContent xmlns:mc="http://schemas.openxmlformats.org/markup-compatibility/2006">
-    <mc:Choice xmlns:p14="http://schemas.microsoft.com/office/powerpoint/2010/main" Requires="p14">
+  <mc:AlternateContent xmlns:mc="http://schemas.openxmlformats.org/markup-compatibility/2006" xmlns:p14="http://schemas.microsoft.com/office/powerpoint/2010/main">
+    <mc:Choice Requires="p14">
       <p:transition p14:dur="300">
         <p:fade/>
       </p:transition>
     </mc:Choice>
-    <mc:Fallback>
+    <mc:Fallback xmlns="">
       <p:transition>
         <p:fade/>
       </p:transition>
@@ -21656,13 +21567,13 @@
   <p:clrMapOvr>
     <a:masterClrMapping/>
   </p:clrMapOvr>
-  <mc:AlternateContent xmlns:mc="http://schemas.openxmlformats.org/markup-compatibility/2006">
-    <mc:Choice xmlns:p14="http://schemas.microsoft.com/office/powerpoint/2010/main" Requires="p14">
+  <mc:AlternateContent xmlns:mc="http://schemas.openxmlformats.org/markup-compatibility/2006" xmlns:p14="http://schemas.microsoft.com/office/powerpoint/2010/main">
+    <mc:Choice Requires="p14">
       <p:transition p14:dur="300">
         <p:fade/>
       </p:transition>
     </mc:Choice>
-    <mc:Fallback>
+    <mc:Fallback xmlns="">
       <p:transition>
         <p:fade/>
       </p:transition>
@@ -21803,13 +21714,13 @@
   <p:clrMapOvr>
     <a:masterClrMapping/>
   </p:clrMapOvr>
-  <mc:AlternateContent xmlns:mc="http://schemas.openxmlformats.org/markup-compatibility/2006">
-    <mc:Choice xmlns:p14="http://schemas.microsoft.com/office/powerpoint/2010/main" Requires="p14">
+  <mc:AlternateContent xmlns:mc="http://schemas.openxmlformats.org/markup-compatibility/2006" xmlns:p14="http://schemas.microsoft.com/office/powerpoint/2010/main">
+    <mc:Choice Requires="p14">
       <p:transition p14:dur="300">
         <p:fade/>
       </p:transition>
     </mc:Choice>
-    <mc:Fallback>
+    <mc:Fallback xmlns="">
       <p:transition>
         <p:fade/>
       </p:transition>
@@ -21946,13 +21857,13 @@
   <p:clrMapOvr>
     <a:masterClrMapping/>
   </p:clrMapOvr>
-  <mc:AlternateContent xmlns:mc="http://schemas.openxmlformats.org/markup-compatibility/2006">
-    <mc:Choice xmlns:p14="http://schemas.microsoft.com/office/powerpoint/2010/main" Requires="p14">
+  <mc:AlternateContent xmlns:mc="http://schemas.openxmlformats.org/markup-compatibility/2006" xmlns:p14="http://schemas.microsoft.com/office/powerpoint/2010/main">
+    <mc:Choice Requires="p14">
       <p:transition p14:dur="300">
         <p:fade/>
       </p:transition>
     </mc:Choice>
-    <mc:Fallback>
+    <mc:Fallback xmlns="">
       <p:transition>
         <p:fade/>
       </p:transition>
@@ -22092,13 +22003,13 @@
   <p:clrMapOvr>
     <a:masterClrMapping/>
   </p:clrMapOvr>
-  <mc:AlternateContent xmlns:mc="http://schemas.openxmlformats.org/markup-compatibility/2006">
-    <mc:Choice xmlns:p14="http://schemas.microsoft.com/office/powerpoint/2010/main" Requires="p14">
+  <mc:AlternateContent xmlns:mc="http://schemas.openxmlformats.org/markup-compatibility/2006" xmlns:p14="http://schemas.microsoft.com/office/powerpoint/2010/main">
+    <mc:Choice Requires="p14">
       <p:transition p14:dur="300">
         <p:fade/>
       </p:transition>
     </mc:Choice>
-    <mc:Fallback>
+    <mc:Fallback xmlns="">
       <p:transition>
         <p:fade/>
       </p:transition>
@@ -22238,13 +22149,13 @@
   <p:clrMapOvr>
     <a:masterClrMapping/>
   </p:clrMapOvr>
-  <mc:AlternateContent xmlns:mc="http://schemas.openxmlformats.org/markup-compatibility/2006">
-    <mc:Choice xmlns:p14="http://schemas.microsoft.com/office/powerpoint/2010/main" Requires="p14">
+  <mc:AlternateContent xmlns:mc="http://schemas.openxmlformats.org/markup-compatibility/2006" xmlns:p14="http://schemas.microsoft.com/office/powerpoint/2010/main">
+    <mc:Choice Requires="p14">
       <p:transition p14:dur="300">
         <p:fade/>
       </p:transition>
     </mc:Choice>
-    <mc:Fallback>
+    <mc:Fallback xmlns="">
       <p:transition>
         <p:fade/>
       </p:transition>
@@ -22389,13 +22300,13 @@
   <p:clrMapOvr>
     <a:masterClrMapping/>
   </p:clrMapOvr>
-  <mc:AlternateContent xmlns:mc="http://schemas.openxmlformats.org/markup-compatibility/2006">
-    <mc:Choice xmlns:p14="http://schemas.microsoft.com/office/powerpoint/2010/main" Requires="p14">
+  <mc:AlternateContent xmlns:mc="http://schemas.openxmlformats.org/markup-compatibility/2006" xmlns:p14="http://schemas.microsoft.com/office/powerpoint/2010/main">
+    <mc:Choice Requires="p14">
       <p:transition p14:dur="300">
         <p:fade/>
       </p:transition>
     </mc:Choice>
-    <mc:Fallback>
+    <mc:Fallback xmlns="">
       <p:transition>
         <p:fade/>
       </p:transition>
@@ -22535,13 +22446,13 @@
   <p:clrMapOvr>
     <a:masterClrMapping/>
   </p:clrMapOvr>
-  <mc:AlternateContent xmlns:mc="http://schemas.openxmlformats.org/markup-compatibility/2006">
-    <mc:Choice xmlns:p14="http://schemas.microsoft.com/office/powerpoint/2010/main" Requires="p14">
+  <mc:AlternateContent xmlns:mc="http://schemas.openxmlformats.org/markup-compatibility/2006" xmlns:p14="http://schemas.microsoft.com/office/powerpoint/2010/main">
+    <mc:Choice Requires="p14">
       <p:transition p14:dur="300">
         <p:fade/>
       </p:transition>
     </mc:Choice>
-    <mc:Fallback>
+    <mc:Fallback xmlns="">
       <p:transition>
         <p:fade/>
       </p:transition>
@@ -22678,13 +22589,13 @@
   <p:clrMapOvr>
     <a:masterClrMapping/>
   </p:clrMapOvr>
-  <mc:AlternateContent xmlns:mc="http://schemas.openxmlformats.org/markup-compatibility/2006">
-    <mc:Choice xmlns:p14="http://schemas.microsoft.com/office/powerpoint/2010/main" Requires="p14">
+  <mc:AlternateContent xmlns:mc="http://schemas.openxmlformats.org/markup-compatibility/2006" xmlns:p14="http://schemas.microsoft.com/office/powerpoint/2010/main">
+    <mc:Choice Requires="p14">
       <p:transition p14:dur="300">
         <p:fade/>
       </p:transition>
     </mc:Choice>
-    <mc:Fallback>
+    <mc:Fallback xmlns="">
       <p:transition>
         <p:fade/>
       </p:transition>
@@ -22824,13 +22735,13 @@
   <p:clrMapOvr>
     <a:masterClrMapping/>
   </p:clrMapOvr>
-  <mc:AlternateContent xmlns:mc="http://schemas.openxmlformats.org/markup-compatibility/2006">
-    <mc:Choice xmlns:p14="http://schemas.microsoft.com/office/powerpoint/2010/main" Requires="p14">
+  <mc:AlternateContent xmlns:mc="http://schemas.openxmlformats.org/markup-compatibility/2006" xmlns:p14="http://schemas.microsoft.com/office/powerpoint/2010/main">
+    <mc:Choice Requires="p14">
       <p:transition p14:dur="300">
         <p:fade/>
       </p:transition>
     </mc:Choice>
-    <mc:Fallback>
+    <mc:Fallback xmlns="">
       <p:transition>
         <p:fade/>
       </p:transition>
@@ -22970,13 +22881,13 @@
   <p:clrMapOvr>
     <a:masterClrMapping/>
   </p:clrMapOvr>
-  <mc:AlternateContent xmlns:mc="http://schemas.openxmlformats.org/markup-compatibility/2006">
-    <mc:Choice xmlns:p14="http://schemas.microsoft.com/office/powerpoint/2010/main" Requires="p14">
+  <mc:AlternateContent xmlns:mc="http://schemas.openxmlformats.org/markup-compatibility/2006" xmlns:p14="http://schemas.microsoft.com/office/powerpoint/2010/main">
+    <mc:Choice Requires="p14">
       <p:transition p14:dur="300">
         <p:fade/>
       </p:transition>
     </mc:Choice>
-    <mc:Fallback>
+    <mc:Fallback xmlns="">
       <p:transition>
         <p:fade/>
       </p:transition>
@@ -23113,13 +23024,13 @@
   <p:clrMapOvr>
     <a:masterClrMapping/>
   </p:clrMapOvr>
-  <mc:AlternateContent xmlns:mc="http://schemas.openxmlformats.org/markup-compatibility/2006">
-    <mc:Choice xmlns:p14="http://schemas.microsoft.com/office/powerpoint/2010/main" Requires="p14">
+  <mc:AlternateContent xmlns:mc="http://schemas.openxmlformats.org/markup-compatibility/2006" xmlns:p14="http://schemas.microsoft.com/office/powerpoint/2010/main">
+    <mc:Choice Requires="p14">
       <p:transition p14:dur="300">
         <p:fade/>
       </p:transition>
     </mc:Choice>
-    <mc:Fallback>
+    <mc:Fallback xmlns="">
       <p:transition>
         <p:fade/>
       </p:transition>
@@ -23259,13 +23170,13 @@
   <p:clrMapOvr>
     <a:masterClrMapping/>
   </p:clrMapOvr>
-  <mc:AlternateContent xmlns:mc="http://schemas.openxmlformats.org/markup-compatibility/2006">
-    <mc:Choice xmlns:p14="http://schemas.microsoft.com/office/powerpoint/2010/main" Requires="p14">
+  <mc:AlternateContent xmlns:mc="http://schemas.openxmlformats.org/markup-compatibility/2006" xmlns:p14="http://schemas.microsoft.com/office/powerpoint/2010/main">
+    <mc:Choice Requires="p14">
       <p:transition p14:dur="300">
         <p:fade/>
       </p:transition>
     </mc:Choice>
-    <mc:Fallback>
+    <mc:Fallback xmlns="">
       <p:transition>
         <p:fade/>
       </p:transition>
@@ -23403,13 +23314,13 @@
   <p:clrMapOvr>
     <a:masterClrMapping/>
   </p:clrMapOvr>
-  <mc:AlternateContent xmlns:mc="http://schemas.openxmlformats.org/markup-compatibility/2006">
-    <mc:Choice xmlns:p14="http://schemas.microsoft.com/office/powerpoint/2010/main" Requires="p14">
+  <mc:AlternateContent xmlns:mc="http://schemas.openxmlformats.org/markup-compatibility/2006" xmlns:p14="http://schemas.microsoft.com/office/powerpoint/2010/main">
+    <mc:Choice Requires="p14">
       <p:transition p14:dur="300">
         <p:fade/>
       </p:transition>
     </mc:Choice>
-    <mc:Fallback>
+    <mc:Fallback xmlns="">
       <p:transition>
         <p:fade/>
       </p:transition>
@@ -23546,13 +23457,13 @@
   <p:clrMapOvr>
     <a:masterClrMapping/>
   </p:clrMapOvr>
-  <mc:AlternateContent xmlns:mc="http://schemas.openxmlformats.org/markup-compatibility/2006">
-    <mc:Choice xmlns:p14="http://schemas.microsoft.com/office/powerpoint/2010/main" Requires="p14">
+  <mc:AlternateContent xmlns:mc="http://schemas.openxmlformats.org/markup-compatibility/2006" xmlns:p14="http://schemas.microsoft.com/office/powerpoint/2010/main">
+    <mc:Choice Requires="p14">
       <p:transition p14:dur="300">
         <p:fade/>
       </p:transition>
     </mc:Choice>
-    <mc:Fallback>
+    <mc:Fallback xmlns="">
       <p:transition>
         <p:fade/>
       </p:transition>
@@ -23689,13 +23600,13 @@
   <p:clrMapOvr>
     <a:masterClrMapping/>
   </p:clrMapOvr>
-  <mc:AlternateContent xmlns:mc="http://schemas.openxmlformats.org/markup-compatibility/2006">
-    <mc:Choice xmlns:p14="http://schemas.microsoft.com/office/powerpoint/2010/main" Requires="p14">
+  <mc:AlternateContent xmlns:mc="http://schemas.openxmlformats.org/markup-compatibility/2006" xmlns:p14="http://schemas.microsoft.com/office/powerpoint/2010/main">
+    <mc:Choice Requires="p14">
       <p:transition p14:dur="300">
         <p:fade/>
       </p:transition>
     </mc:Choice>
-    <mc:Fallback>
+    <mc:Fallback xmlns="">
       <p:transition>
         <p:fade/>
       </p:transition>
@@ -23835,13 +23746,13 @@
   <p:clrMapOvr>
     <a:masterClrMapping/>
   </p:clrMapOvr>
-  <mc:AlternateContent xmlns:mc="http://schemas.openxmlformats.org/markup-compatibility/2006">
-    <mc:Choice xmlns:p14="http://schemas.microsoft.com/office/powerpoint/2010/main" Requires="p14">
+  <mc:AlternateContent xmlns:mc="http://schemas.openxmlformats.org/markup-compatibility/2006" xmlns:p14="http://schemas.microsoft.com/office/powerpoint/2010/main">
+    <mc:Choice Requires="p14">
       <p:transition p14:dur="300">
         <p:fade/>
       </p:transition>
     </mc:Choice>
-    <mc:Fallback>
+    <mc:Fallback xmlns="">
       <p:transition>
         <p:fade/>
       </p:transition>
@@ -23978,13 +23889,13 @@
   <p:clrMapOvr>
     <a:masterClrMapping/>
   </p:clrMapOvr>
-  <mc:AlternateContent xmlns:mc="http://schemas.openxmlformats.org/markup-compatibility/2006">
-    <mc:Choice xmlns:p14="http://schemas.microsoft.com/office/powerpoint/2010/main" Requires="p14">
+  <mc:AlternateContent xmlns:mc="http://schemas.openxmlformats.org/markup-compatibility/2006" xmlns:p14="http://schemas.microsoft.com/office/powerpoint/2010/main">
+    <mc:Choice Requires="p14">
       <p:transition p14:dur="300">
         <p:fade/>
       </p:transition>
     </mc:Choice>
-    <mc:Fallback>
+    <mc:Fallback xmlns="">
       <p:transition>
         <p:fade/>
       </p:transition>
@@ -24124,13 +24035,13 @@
   <p:clrMapOvr>
     <a:masterClrMapping/>
   </p:clrMapOvr>
-  <mc:AlternateContent xmlns:mc="http://schemas.openxmlformats.org/markup-compatibility/2006">
-    <mc:Choice xmlns:p14="http://schemas.microsoft.com/office/powerpoint/2010/main" Requires="p14">
+  <mc:AlternateContent xmlns:mc="http://schemas.openxmlformats.org/markup-compatibility/2006" xmlns:p14="http://schemas.microsoft.com/office/powerpoint/2010/main">
+    <mc:Choice Requires="p14">
       <p:transition p14:dur="300">
         <p:fade/>
       </p:transition>
     </mc:Choice>
-    <mc:Fallback>
+    <mc:Fallback xmlns="">
       <p:transition>
         <p:fade/>
       </p:transition>
@@ -24267,13 +24178,13 @@
   <p:clrMapOvr>
     <a:masterClrMapping/>
   </p:clrMapOvr>
-  <mc:AlternateContent xmlns:mc="http://schemas.openxmlformats.org/markup-compatibility/2006">
-    <mc:Choice xmlns:p14="http://schemas.microsoft.com/office/powerpoint/2010/main" Requires="p14">
+  <mc:AlternateContent xmlns:mc="http://schemas.openxmlformats.org/markup-compatibility/2006" xmlns:p14="http://schemas.microsoft.com/office/powerpoint/2010/main">
+    <mc:Choice Requires="p14">
       <p:transition p14:dur="300">
         <p:fade/>
       </p:transition>
     </mc:Choice>
-    <mc:Fallback>
+    <mc:Fallback xmlns="">
       <p:transition>
         <p:fade/>
       </p:transition>
@@ -24410,13 +24321,13 @@
   <p:clrMapOvr>
     <a:masterClrMapping/>
   </p:clrMapOvr>
-  <mc:AlternateContent xmlns:mc="http://schemas.openxmlformats.org/markup-compatibility/2006">
-    <mc:Choice xmlns:p14="http://schemas.microsoft.com/office/powerpoint/2010/main" Requires="p14">
+  <mc:AlternateContent xmlns:mc="http://schemas.openxmlformats.org/markup-compatibility/2006" xmlns:p14="http://schemas.microsoft.com/office/powerpoint/2010/main">
+    <mc:Choice Requires="p14">
       <p:transition p14:dur="300">
         <p:fade/>
       </p:transition>
     </mc:Choice>
-    <mc:Fallback>
+    <mc:Fallback xmlns="">
       <p:transition>
         <p:fade/>
       </p:transition>
@@ -24553,13 +24464,13 @@
   <p:clrMapOvr>
     <a:masterClrMapping/>
   </p:clrMapOvr>
-  <mc:AlternateContent xmlns:mc="http://schemas.openxmlformats.org/markup-compatibility/2006">
-    <mc:Choice xmlns:p14="http://schemas.microsoft.com/office/powerpoint/2010/main" Requires="p14">
+  <mc:AlternateContent xmlns:mc="http://schemas.openxmlformats.org/markup-compatibility/2006" xmlns:p14="http://schemas.microsoft.com/office/powerpoint/2010/main">
+    <mc:Choice Requires="p14">
       <p:transition p14:dur="300">
         <p:fade/>
       </p:transition>
     </mc:Choice>
-    <mc:Fallback>
+    <mc:Fallback xmlns="">
       <p:transition>
         <p:fade/>
       </p:transition>
@@ -24699,13 +24610,13 @@
   <p:clrMapOvr>
     <a:masterClrMapping/>
   </p:clrMapOvr>
-  <mc:AlternateContent xmlns:mc="http://schemas.openxmlformats.org/markup-compatibility/2006">
-    <mc:Choice xmlns:p14="http://schemas.microsoft.com/office/powerpoint/2010/main" Requires="p14">
+  <mc:AlternateContent xmlns:mc="http://schemas.openxmlformats.org/markup-compatibility/2006" xmlns:p14="http://schemas.microsoft.com/office/powerpoint/2010/main">
+    <mc:Choice Requires="p14">
       <p:transition p14:dur="300">
         <p:fade/>
       </p:transition>
     </mc:Choice>
-    <mc:Fallback>
+    <mc:Fallback xmlns="">
       <p:transition>
         <p:fade/>
       </p:transition>
@@ -24842,13 +24753,13 @@
   <p:clrMapOvr>
     <a:masterClrMapping/>
   </p:clrMapOvr>
-  <mc:AlternateContent xmlns:mc="http://schemas.openxmlformats.org/markup-compatibility/2006">
-    <mc:Choice xmlns:p14="http://schemas.microsoft.com/office/powerpoint/2010/main" Requires="p14">
+  <mc:AlternateContent xmlns:mc="http://schemas.openxmlformats.org/markup-compatibility/2006" xmlns:p14="http://schemas.microsoft.com/office/powerpoint/2010/main">
+    <mc:Choice Requires="p14">
       <p:transition p14:dur="300">
         <p:fade/>
       </p:transition>
     </mc:Choice>
-    <mc:Fallback>
+    <mc:Fallback xmlns="">
       <p:transition>
         <p:fade/>
       </p:transition>
@@ -24989,13 +24900,13 @@
   <p:clrMapOvr>
     <a:masterClrMapping/>
   </p:clrMapOvr>
-  <mc:AlternateContent xmlns:mc="http://schemas.openxmlformats.org/markup-compatibility/2006">
-    <mc:Choice xmlns:p14="http://schemas.microsoft.com/office/powerpoint/2010/main" Requires="p14">
+  <mc:AlternateContent xmlns:mc="http://schemas.openxmlformats.org/markup-compatibility/2006" xmlns:p14="http://schemas.microsoft.com/office/powerpoint/2010/main">
+    <mc:Choice Requires="p14">
       <p:transition p14:dur="300">
         <p:fade/>
       </p:transition>
     </mc:Choice>
-    <mc:Fallback>
+    <mc:Fallback xmlns="">
       <p:transition>
         <p:fade/>
       </p:transition>
@@ -25135,13 +25046,13 @@
   <p:clrMapOvr>
     <a:masterClrMapping/>
   </p:clrMapOvr>
-  <mc:AlternateContent xmlns:mc="http://schemas.openxmlformats.org/markup-compatibility/2006">
-    <mc:Choice xmlns:p14="http://schemas.microsoft.com/office/powerpoint/2010/main" Requires="p14">
+  <mc:AlternateContent xmlns:mc="http://schemas.openxmlformats.org/markup-compatibility/2006" xmlns:p14="http://schemas.microsoft.com/office/powerpoint/2010/main">
+    <mc:Choice Requires="p14">
       <p:transition p14:dur="300">
         <p:fade/>
       </p:transition>
     </mc:Choice>
-    <mc:Fallback>
+    <mc:Fallback xmlns="">
       <p:transition>
         <p:fade/>
       </p:transition>
@@ -25281,13 +25192,13 @@
   <p:clrMapOvr>
     <a:masterClrMapping/>
   </p:clrMapOvr>
-  <mc:AlternateContent xmlns:mc="http://schemas.openxmlformats.org/markup-compatibility/2006">
-    <mc:Choice xmlns:p14="http://schemas.microsoft.com/office/powerpoint/2010/main" Requires="p14">
+  <mc:AlternateContent xmlns:mc="http://schemas.openxmlformats.org/markup-compatibility/2006" xmlns:p14="http://schemas.microsoft.com/office/powerpoint/2010/main">
+    <mc:Choice Requires="p14">
       <p:transition p14:dur="300">
         <p:fade/>
       </p:transition>
     </mc:Choice>
-    <mc:Fallback>
+    <mc:Fallback xmlns="">
       <p:transition>
         <p:fade/>
       </p:transition>
@@ -25427,13 +25338,13 @@
   <p:clrMapOvr>
     <a:masterClrMapping/>
   </p:clrMapOvr>
-  <mc:AlternateContent xmlns:mc="http://schemas.openxmlformats.org/markup-compatibility/2006">
-    <mc:Choice xmlns:p14="http://schemas.microsoft.com/office/powerpoint/2010/main" Requires="p14">
+  <mc:AlternateContent xmlns:mc="http://schemas.openxmlformats.org/markup-compatibility/2006" xmlns:p14="http://schemas.microsoft.com/office/powerpoint/2010/main">
+    <mc:Choice Requires="p14">
       <p:transition p14:dur="300">
         <p:fade/>
       </p:transition>
     </mc:Choice>
-    <mc:Fallback>
+    <mc:Fallback xmlns="">
       <p:transition>
         <p:fade/>
       </p:transition>
@@ -25573,13 +25484,13 @@
   <p:clrMapOvr>
     <a:masterClrMapping/>
   </p:clrMapOvr>
-  <mc:AlternateContent xmlns:mc="http://schemas.openxmlformats.org/markup-compatibility/2006">
-    <mc:Choice xmlns:p14="http://schemas.microsoft.com/office/powerpoint/2010/main" Requires="p14">
+  <mc:AlternateContent xmlns:mc="http://schemas.openxmlformats.org/markup-compatibility/2006" xmlns:p14="http://schemas.microsoft.com/office/powerpoint/2010/main">
+    <mc:Choice Requires="p14">
       <p:transition p14:dur="300">
         <p:fade/>
       </p:transition>
     </mc:Choice>
-    <mc:Fallback>
+    <mc:Fallback xmlns="">
       <p:transition>
         <p:fade/>
       </p:transition>
@@ -25716,13 +25627,13 @@
   <p:clrMapOvr>
     <a:masterClrMapping/>
   </p:clrMapOvr>
-  <mc:AlternateContent xmlns:mc="http://schemas.openxmlformats.org/markup-compatibility/2006">
-    <mc:Choice xmlns:p14="http://schemas.microsoft.com/office/powerpoint/2010/main" Requires="p14">
+  <mc:AlternateContent xmlns:mc="http://schemas.openxmlformats.org/markup-compatibility/2006" xmlns:p14="http://schemas.microsoft.com/office/powerpoint/2010/main">
+    <mc:Choice Requires="p14">
       <p:transition p14:dur="300">
         <p:fade/>
       </p:transition>
     </mc:Choice>
-    <mc:Fallback>
+    <mc:Fallback xmlns="">
       <p:transition>
         <p:fade/>
       </p:transition>
@@ -25859,13 +25770,13 @@
   <p:clrMapOvr>
     <a:masterClrMapping/>
   </p:clrMapOvr>
-  <mc:AlternateContent xmlns:mc="http://schemas.openxmlformats.org/markup-compatibility/2006">
-    <mc:Choice xmlns:p14="http://schemas.microsoft.com/office/powerpoint/2010/main" Requires="p14">
+  <mc:AlternateContent xmlns:mc="http://schemas.openxmlformats.org/markup-compatibility/2006" xmlns:p14="http://schemas.microsoft.com/office/powerpoint/2010/main">
+    <mc:Choice Requires="p14">
       <p:transition p14:dur="300">
         <p:fade/>
       </p:transition>
     </mc:Choice>
-    <mc:Fallback>
+    <mc:Fallback xmlns="">
       <p:transition>
         <p:fade/>
       </p:transition>
@@ -26005,13 +25916,13 @@
   <p:clrMapOvr>
     <a:masterClrMapping/>
   </p:clrMapOvr>
-  <mc:AlternateContent xmlns:mc="http://schemas.openxmlformats.org/markup-compatibility/2006">
-    <mc:Choice xmlns:p14="http://schemas.microsoft.com/office/powerpoint/2010/main" Requires="p14">
+  <mc:AlternateContent xmlns:mc="http://schemas.openxmlformats.org/markup-compatibility/2006" xmlns:p14="http://schemas.microsoft.com/office/powerpoint/2010/main">
+    <mc:Choice Requires="p14">
       <p:transition p14:dur="300">
         <p:fade/>
       </p:transition>
     </mc:Choice>
-    <mc:Fallback>
+    <mc:Fallback xmlns="">
       <p:transition>
         <p:fade/>
       </p:transition>
@@ -26148,13 +26059,13 @@
   <p:clrMapOvr>
     <a:masterClrMapping/>
   </p:clrMapOvr>
-  <mc:AlternateContent xmlns:mc="http://schemas.openxmlformats.org/markup-compatibility/2006">
-    <mc:Choice xmlns:p14="http://schemas.microsoft.com/office/powerpoint/2010/main" Requires="p14">
+  <mc:AlternateContent xmlns:mc="http://schemas.openxmlformats.org/markup-compatibility/2006" xmlns:p14="http://schemas.microsoft.com/office/powerpoint/2010/main">
+    <mc:Choice Requires="p14">
       <p:transition p14:dur="300">
         <p:fade/>
       </p:transition>
     </mc:Choice>
-    <mc:Fallback>
+    <mc:Fallback xmlns="">
       <p:transition>
         <p:fade/>
       </p:transition>
@@ -26291,13 +26202,13 @@
   <p:clrMapOvr>
     <a:masterClrMapping/>
   </p:clrMapOvr>
-  <mc:AlternateContent xmlns:mc="http://schemas.openxmlformats.org/markup-compatibility/2006">
-    <mc:Choice xmlns:p14="http://schemas.microsoft.com/office/powerpoint/2010/main" Requires="p14">
+  <mc:AlternateContent xmlns:mc="http://schemas.openxmlformats.org/markup-compatibility/2006" xmlns:p14="http://schemas.microsoft.com/office/powerpoint/2010/main">
+    <mc:Choice Requires="p14">
       <p:transition p14:dur="300">
         <p:fade/>
       </p:transition>
     </mc:Choice>
-    <mc:Fallback>
+    <mc:Fallback xmlns="">
       <p:transition>
         <p:fade/>
       </p:transition>
@@ -26437,13 +26348,13 @@
   <p:clrMapOvr>
     <a:masterClrMapping/>
   </p:clrMapOvr>
-  <mc:AlternateContent xmlns:mc="http://schemas.openxmlformats.org/markup-compatibility/2006">
-    <mc:Choice xmlns:p14="http://schemas.microsoft.com/office/powerpoint/2010/main" Requires="p14">
+  <mc:AlternateContent xmlns:mc="http://schemas.openxmlformats.org/markup-compatibility/2006" xmlns:p14="http://schemas.microsoft.com/office/powerpoint/2010/main">
+    <mc:Choice Requires="p14">
       <p:transition p14:dur="300">
         <p:fade/>
       </p:transition>
     </mc:Choice>
-    <mc:Fallback>
+    <mc:Fallback xmlns="">
       <p:transition>
         <p:fade/>
       </p:transition>

--- a/PPTs/Munajat Shabanniya.pptx
+++ b/PPTs/Munajat Shabanniya.pptx
@@ -5332,10 +5332,10 @@
                 <a:ea typeface="Calibri Light" panose="020F0302020204030204" pitchFamily="34" charset="0"/>
                 <a:cs typeface="Calibri Light" panose="020F0302020204030204" pitchFamily="34" charset="0"/>
               </a:rPr>
-              <a:t>And We desired to show </a:t>
-            </a:r>
-            <a:r>
-              <a:rPr kumimoji="0" lang="en-US" sz="1400" b="0" i="1" u="none" strike="noStrike" kern="1200" cap="none" spc="0" normalizeH="0" baseline="0" noProof="0" dirty="0" err="1">
+              <a:t>And We desired to </a:t>
+            </a:r>
+            <a:r>
+              <a:rPr kumimoji="0" lang="en-US" sz="1400" b="0" i="1" u="none" strike="noStrike" kern="1200" cap="none" spc="0" normalizeH="0" baseline="0" noProof="0">
                 <a:ln>
                   <a:noFill/>
                 </a:ln>
@@ -5349,7 +5349,7 @@
                 <a:ea typeface="Calibri Light" panose="020F0302020204030204" pitchFamily="34" charset="0"/>
                 <a:cs typeface="Calibri Light" panose="020F0302020204030204" pitchFamily="34" charset="0"/>
               </a:rPr>
-              <a:t>favour</a:t>
+              <a:t>show favor </a:t>
             </a:r>
             <a:r>
               <a:rPr kumimoji="0" lang="en-US" sz="1400" b="0" i="1" u="none" strike="noStrike" kern="1200" cap="none" spc="0" normalizeH="0" baseline="0" noProof="0" dirty="0">
@@ -5366,7 +5366,7 @@
                 <a:ea typeface="Calibri Light" panose="020F0302020204030204" pitchFamily="34" charset="0"/>
                 <a:cs typeface="Calibri Light" panose="020F0302020204030204" pitchFamily="34" charset="0"/>
               </a:rPr>
-              <a:t> upon those who were abased in the land, </a:t>
+              <a:t>upon those who were abased in the land, </a:t>
             </a:r>
           </a:p>
           <a:p>
@@ -5472,7 +5472,7 @@
                 <a:ea typeface="Calibri Light" panose="020F0302020204030204" pitchFamily="34" charset="0"/>
                 <a:cs typeface="Calibri Light" panose="020F0302020204030204" pitchFamily="34" charset="0"/>
               </a:rPr>
-              <a:t> : 5)</a:t>
+              <a:t>: 5)</a:t>
             </a:r>
             <a:endParaRPr kumimoji="0" lang="en-CA" sz="1200" b="0" i="1" u="none" strike="noStrike" kern="1200" cap="none" spc="0" normalizeH="0" baseline="0" noProof="0" dirty="0">
               <a:ln>
